--- a/docs/img/images.pptx
+++ b/docs/img/images.pptx
@@ -247,7 +247,7 @@
           <a:p>
             <a:fld id="{5F062844-4D04-4486-911D-9E67CD5A2470}" type="datetimeFigureOut">
               <a:rPr kumimoji="1" lang="ja-JP" altLang="en-US" smtClean="0"/>
-              <a:t>2017/12/2</a:t>
+              <a:t>2017/12/4</a:t>
             </a:fld>
             <a:endParaRPr kumimoji="1" lang="ja-JP" altLang="en-US"/>
           </a:p>
@@ -449,7 +449,7 @@
           <a:p>
             <a:fld id="{5F062844-4D04-4486-911D-9E67CD5A2470}" type="datetimeFigureOut">
               <a:rPr kumimoji="1" lang="ja-JP" altLang="en-US" smtClean="0"/>
-              <a:t>2017/12/2</a:t>
+              <a:t>2017/12/4</a:t>
             </a:fld>
             <a:endParaRPr kumimoji="1" lang="ja-JP" altLang="en-US"/>
           </a:p>
@@ -661,7 +661,7 @@
           <a:p>
             <a:fld id="{5F062844-4D04-4486-911D-9E67CD5A2470}" type="datetimeFigureOut">
               <a:rPr kumimoji="1" lang="ja-JP" altLang="en-US" smtClean="0"/>
-              <a:t>2017/12/2</a:t>
+              <a:t>2017/12/4</a:t>
             </a:fld>
             <a:endParaRPr kumimoji="1" lang="ja-JP" altLang="en-US"/>
           </a:p>
@@ -863,7 +863,7 @@
           <a:p>
             <a:fld id="{5F062844-4D04-4486-911D-9E67CD5A2470}" type="datetimeFigureOut">
               <a:rPr kumimoji="1" lang="ja-JP" altLang="en-US" smtClean="0"/>
-              <a:t>2017/12/2</a:t>
+              <a:t>2017/12/4</a:t>
             </a:fld>
             <a:endParaRPr kumimoji="1" lang="ja-JP" altLang="en-US"/>
           </a:p>
@@ -1109,7 +1109,7 @@
           <a:p>
             <a:fld id="{5F062844-4D04-4486-911D-9E67CD5A2470}" type="datetimeFigureOut">
               <a:rPr kumimoji="1" lang="ja-JP" altLang="en-US" smtClean="0"/>
-              <a:t>2017/12/2</a:t>
+              <a:t>2017/12/4</a:t>
             </a:fld>
             <a:endParaRPr kumimoji="1" lang="ja-JP" altLang="en-US"/>
           </a:p>
@@ -1405,7 +1405,7 @@
           <a:p>
             <a:fld id="{5F062844-4D04-4486-911D-9E67CD5A2470}" type="datetimeFigureOut">
               <a:rPr kumimoji="1" lang="ja-JP" altLang="en-US" smtClean="0"/>
-              <a:t>2017/12/2</a:t>
+              <a:t>2017/12/4</a:t>
             </a:fld>
             <a:endParaRPr kumimoji="1" lang="ja-JP" altLang="en-US"/>
           </a:p>
@@ -1836,7 +1836,7 @@
           <a:p>
             <a:fld id="{5F062844-4D04-4486-911D-9E67CD5A2470}" type="datetimeFigureOut">
               <a:rPr kumimoji="1" lang="ja-JP" altLang="en-US" smtClean="0"/>
-              <a:t>2017/12/2</a:t>
+              <a:t>2017/12/4</a:t>
             </a:fld>
             <a:endParaRPr kumimoji="1" lang="ja-JP" altLang="en-US"/>
           </a:p>
@@ -1954,7 +1954,7 @@
           <a:p>
             <a:fld id="{5F062844-4D04-4486-911D-9E67CD5A2470}" type="datetimeFigureOut">
               <a:rPr kumimoji="1" lang="ja-JP" altLang="en-US" smtClean="0"/>
-              <a:t>2017/12/2</a:t>
+              <a:t>2017/12/4</a:t>
             </a:fld>
             <a:endParaRPr kumimoji="1" lang="ja-JP" altLang="en-US"/>
           </a:p>
@@ -2049,7 +2049,7 @@
           <a:p>
             <a:fld id="{5F062844-4D04-4486-911D-9E67CD5A2470}" type="datetimeFigureOut">
               <a:rPr kumimoji="1" lang="ja-JP" altLang="en-US" smtClean="0"/>
-              <a:t>2017/12/2</a:t>
+              <a:t>2017/12/4</a:t>
             </a:fld>
             <a:endParaRPr kumimoji="1" lang="ja-JP" altLang="en-US"/>
           </a:p>
@@ -2358,7 +2358,7 @@
           <a:p>
             <a:fld id="{5F062844-4D04-4486-911D-9E67CD5A2470}" type="datetimeFigureOut">
               <a:rPr kumimoji="1" lang="ja-JP" altLang="en-US" smtClean="0"/>
-              <a:t>2017/12/2</a:t>
+              <a:t>2017/12/4</a:t>
             </a:fld>
             <a:endParaRPr kumimoji="1" lang="ja-JP" altLang="en-US"/>
           </a:p>
@@ -2611,7 +2611,7 @@
           <a:p>
             <a:fld id="{5F062844-4D04-4486-911D-9E67CD5A2470}" type="datetimeFigureOut">
               <a:rPr kumimoji="1" lang="ja-JP" altLang="en-US" smtClean="0"/>
-              <a:t>2017/12/2</a:t>
+              <a:t>2017/12/4</a:t>
             </a:fld>
             <a:endParaRPr kumimoji="1" lang="ja-JP" altLang="en-US"/>
           </a:p>
@@ -2856,7 +2856,7 @@
           <a:p>
             <a:fld id="{5F062844-4D04-4486-911D-9E67CD5A2470}" type="datetimeFigureOut">
               <a:rPr kumimoji="1" lang="ja-JP" altLang="en-US" smtClean="0"/>
-              <a:t>2017/12/2</a:t>
+              <a:t>2017/12/4</a:t>
             </a:fld>
             <a:endParaRPr kumimoji="1" lang="ja-JP" altLang="en-US"/>
           </a:p>
@@ -3763,14 +3763,7 @@
                 <a:latin typeface="Meiryo UI" panose="020B0604030504040204" pitchFamily="50" charset="-128"/>
                 <a:ea typeface="Meiryo UI" panose="020B0604030504040204" pitchFamily="50" charset="-128"/>
               </a:rPr>
-              <a:t>istribution </a:t>
-            </a:r>
-            <a:r>
-              <a:rPr kumimoji="1" lang="en-US" altLang="ja-JP" dirty="0" smtClean="0">
-                <a:latin typeface="Meiryo UI" panose="020B0604030504040204" pitchFamily="50" charset="-128"/>
-                <a:ea typeface="Meiryo UI" panose="020B0604030504040204" pitchFamily="50" charset="-128"/>
-              </a:rPr>
-              <a:t>and version</a:t>
+              <a:t>istribution and version</a:t>
             </a:r>
           </a:p>
           <a:p>
@@ -3891,21 +3884,7 @@
                 <a:latin typeface="Meiryo UI" panose="020B0604030504040204" pitchFamily="50" charset="-128"/>
                 <a:ea typeface="Meiryo UI" panose="020B0604030504040204" pitchFamily="50" charset="-128"/>
               </a:rPr>
-              <a:t>Add your RTC </a:t>
-            </a:r>
-            <a:r>
-              <a:rPr lang="en-US" altLang="ja-JP" dirty="0" smtClean="0">
-                <a:latin typeface="Meiryo UI" panose="020B0604030504040204" pitchFamily="50" charset="-128"/>
-                <a:ea typeface="Meiryo UI" panose="020B0604030504040204" pitchFamily="50" charset="-128"/>
-              </a:rPr>
-              <a:t>for </a:t>
-            </a:r>
-            <a:r>
-              <a:rPr lang="en-US" altLang="ja-JP" dirty="0" smtClean="0">
-                <a:latin typeface="Meiryo UI" panose="020B0604030504040204" pitchFamily="50" charset="-128"/>
-                <a:ea typeface="Meiryo UI" panose="020B0604030504040204" pitchFamily="50" charset="-128"/>
-              </a:rPr>
-              <a:t>Packaging </a:t>
+              <a:t>Add your RTC for Packaging </a:t>
             </a:r>
           </a:p>
         </p:txBody>
@@ -4278,14 +4257,7 @@
                 <a:latin typeface="Meiryo UI" panose="020B0604030504040204" pitchFamily="50" charset="-128"/>
                 <a:ea typeface="Meiryo UI" panose="020B0604030504040204" pitchFamily="50" charset="-128"/>
               </a:rPr>
-              <a:t> </a:t>
-            </a:r>
-            <a:r>
-              <a:rPr kumimoji="1" lang="en-US" altLang="ja-JP" dirty="0" smtClean="0">
-                <a:latin typeface="Meiryo UI" panose="020B0604030504040204" pitchFamily="50" charset="-128"/>
-                <a:ea typeface="Meiryo UI" panose="020B0604030504040204" pitchFamily="50" charset="-128"/>
-              </a:rPr>
-              <a:t>version</a:t>
+              <a:t> version</a:t>
             </a:r>
           </a:p>
           <a:p>
@@ -7368,13 +7340,13 @@
         <p:spPr>
           <a:xfrm>
             <a:off x="396949" y="979901"/>
-            <a:ext cx="5707268" cy="646331"/>
+            <a:ext cx="5707268" cy="615553"/>
           </a:xfrm>
           <a:prstGeom prst="rect">
             <a:avLst/>
           </a:prstGeom>
           <a:noFill/>
-          <a:ln>
+          <a:ln w="28575">
             <a:solidFill>
               <a:srgbClr val="FF0000"/>
             </a:solidFill>
@@ -7456,41 +7428,41 @@
           </a:p>
           <a:p>
             <a:r>
-              <a:rPr lang="en-US" altLang="ja-JP" dirty="0" smtClean="0">
-                <a:latin typeface="Meiryo UI" panose="020B0604030504040204" pitchFamily="50" charset="-128"/>
-                <a:ea typeface="Meiryo UI" panose="020B0604030504040204" pitchFamily="50" charset="-128"/>
-              </a:rPr>
-              <a:t>./</a:t>
-            </a:r>
-            <a:r>
-              <a:rPr lang="en-US" altLang="ja-JP" dirty="0" err="1">
+              <a:rPr lang="en-US" altLang="ja-JP" sz="1600" i="1" dirty="0" smtClean="0">
+                <a:latin typeface="Meiryo UI" panose="020B0604030504040204" pitchFamily="50" charset="-128"/>
+                <a:ea typeface="Meiryo UI" panose="020B0604030504040204" pitchFamily="50" charset="-128"/>
+              </a:rPr>
+              <a:t>    python </a:t>
+            </a:r>
+            <a:r>
+              <a:rPr lang="en-US" altLang="ja-JP" sz="1600" i="1" dirty="0" smtClean="0">
                 <a:latin typeface="Meiryo UI" panose="020B0604030504040204" pitchFamily="50" charset="-128"/>
                 <a:ea typeface="Meiryo UI" panose="020B0604030504040204" pitchFamily="50" charset="-128"/>
               </a:rPr>
               <a:t>r</a:t>
             </a:r>
             <a:r>
-              <a:rPr kumimoji="1" lang="en-US" altLang="ja-JP" dirty="0" err="1" smtClean="0">
-                <a:latin typeface="Meiryo UI" panose="020B0604030504040204" pitchFamily="50" charset="-128"/>
-                <a:ea typeface="Meiryo UI" panose="020B0604030504040204" pitchFamily="50" charset="-128"/>
-              </a:rPr>
-              <a:t>tmdocker</a:t>
-            </a:r>
-            <a:r>
-              <a:rPr kumimoji="1" lang="en-US" altLang="ja-JP" dirty="0" smtClean="0">
-                <a:latin typeface="Meiryo UI" panose="020B0604030504040204" pitchFamily="50" charset="-128"/>
-                <a:ea typeface="Meiryo UI" panose="020B0604030504040204" pitchFamily="50" charset="-128"/>
-              </a:rPr>
-              <a:t> –x –n </a:t>
-            </a:r>
-            <a:r>
-              <a:rPr kumimoji="1" lang="en-US" altLang="ja-JP" dirty="0" err="1" smtClean="0">
+              <a:rPr kumimoji="1" lang="en-US" altLang="ja-JP" sz="1600" i="1" dirty="0" smtClean="0">
+                <a:latin typeface="Meiryo UI" panose="020B0604030504040204" pitchFamily="50" charset="-128"/>
+                <a:ea typeface="Meiryo UI" panose="020B0604030504040204" pitchFamily="50" charset="-128"/>
+              </a:rPr>
+              <a:t>tmdocker.py </a:t>
+            </a:r>
+            <a:r>
+              <a:rPr kumimoji="1" lang="en-US" altLang="ja-JP" sz="1600" i="1" dirty="0" smtClean="0">
+                <a:latin typeface="Meiryo UI" panose="020B0604030504040204" pitchFamily="50" charset="-128"/>
+                <a:ea typeface="Meiryo UI" panose="020B0604030504040204" pitchFamily="50" charset="-128"/>
+              </a:rPr>
+              <a:t>–x –n </a:t>
+            </a:r>
+            <a:r>
+              <a:rPr kumimoji="1" lang="en-US" altLang="ja-JP" sz="1600" i="1" dirty="0" err="1" smtClean="0">
                 <a:latin typeface="Meiryo UI" panose="020B0604030504040204" pitchFamily="50" charset="-128"/>
                 <a:ea typeface="Meiryo UI" panose="020B0604030504040204" pitchFamily="50" charset="-128"/>
               </a:rPr>
               <a:t>openrtp</a:t>
             </a:r>
-            <a:endParaRPr kumimoji="1" lang="ja-JP" altLang="en-US" dirty="0">
+            <a:endParaRPr kumimoji="1" lang="ja-JP" altLang="en-US" sz="1600" i="1" dirty="0">
               <a:latin typeface="Meiryo UI" panose="020B0604030504040204" pitchFamily="50" charset="-128"/>
               <a:ea typeface="Meiryo UI" panose="020B0604030504040204" pitchFamily="50" charset="-128"/>
             </a:endParaRPr>
@@ -7506,11 +7478,12 @@
         <p:spPr>
           <a:xfrm>
             <a:off x="492646" y="6143694"/>
-            <a:ext cx="3632726" cy="646331"/>
+            <a:ext cx="3824509" cy="646331"/>
           </a:xfrm>
           <a:prstGeom prst="rect">
             <a:avLst/>
           </a:prstGeom>
+          <a:ln w="28575"/>
         </p:spPr>
         <p:style>
           <a:lnRef idx="2">
@@ -7578,37 +7551,37 @@
                 <a:latin typeface="Meiryo UI" panose="020B0604030504040204" pitchFamily="50" charset="-128"/>
                 <a:ea typeface="Meiryo UI" panose="020B0604030504040204" pitchFamily="50" charset="-128"/>
               </a:rPr>
-              <a:t>./</a:t>
-            </a:r>
-            <a:r>
-              <a:rPr lang="en-US" altLang="ja-JP" dirty="0" err="1">
+              <a:t>    </a:t>
+            </a:r>
+            <a:r>
+              <a:rPr lang="en-US" altLang="ja-JP" sz="1600" i="1" dirty="0" smtClean="0">
+                <a:latin typeface="Meiryo UI" panose="020B0604030504040204" pitchFamily="50" charset="-128"/>
+                <a:ea typeface="Meiryo UI" panose="020B0604030504040204" pitchFamily="50" charset="-128"/>
+              </a:rPr>
+              <a:t>$ python </a:t>
+            </a:r>
+            <a:r>
+              <a:rPr lang="en-US" altLang="ja-JP" sz="1600" i="1" dirty="0" smtClean="0">
                 <a:latin typeface="Meiryo UI" panose="020B0604030504040204" pitchFamily="50" charset="-128"/>
                 <a:ea typeface="Meiryo UI" panose="020B0604030504040204" pitchFamily="50" charset="-128"/>
               </a:rPr>
               <a:t>r</a:t>
             </a:r>
             <a:r>
-              <a:rPr kumimoji="1" lang="en-US" altLang="ja-JP" dirty="0" err="1" smtClean="0">
-                <a:latin typeface="Meiryo UI" panose="020B0604030504040204" pitchFamily="50" charset="-128"/>
-                <a:ea typeface="Meiryo UI" panose="020B0604030504040204" pitchFamily="50" charset="-128"/>
-              </a:rPr>
-              <a:t>tmdocker</a:t>
-            </a:r>
-            <a:r>
-              <a:rPr kumimoji="1" lang="en-US" altLang="ja-JP" dirty="0" smtClean="0">
-                <a:latin typeface="Meiryo UI" panose="020B0604030504040204" pitchFamily="50" charset="-128"/>
-                <a:ea typeface="Meiryo UI" panose="020B0604030504040204" pitchFamily="50" charset="-128"/>
-              </a:rPr>
-              <a:t> </a:t>
-            </a:r>
-            <a:r>
-              <a:rPr kumimoji="1" lang="en-US" altLang="ja-JP" dirty="0" err="1" smtClean="0">
+              <a:rPr kumimoji="1" lang="en-US" altLang="ja-JP" sz="1600" i="1" dirty="0" smtClean="0">
+                <a:latin typeface="Meiryo UI" panose="020B0604030504040204" pitchFamily="50" charset="-128"/>
+                <a:ea typeface="Meiryo UI" panose="020B0604030504040204" pitchFamily="50" charset="-128"/>
+              </a:rPr>
+              <a:t>tmdocker.py </a:t>
+            </a:r>
+            <a:r>
+              <a:rPr kumimoji="1" lang="en-US" altLang="ja-JP" sz="1600" i="1" dirty="0" err="1" smtClean="0">
                 <a:latin typeface="Meiryo UI" panose="020B0604030504040204" pitchFamily="50" charset="-128"/>
                 <a:ea typeface="Meiryo UI" panose="020B0604030504040204" pitchFamily="50" charset="-128"/>
               </a:rPr>
               <a:t>ConsoleIn</a:t>
             </a:r>
-            <a:endParaRPr kumimoji="1" lang="ja-JP" altLang="en-US" dirty="0">
+            <a:endParaRPr kumimoji="1" lang="ja-JP" altLang="en-US" sz="1600" i="1" dirty="0">
               <a:latin typeface="Meiryo UI" panose="020B0604030504040204" pitchFamily="50" charset="-128"/>
               <a:ea typeface="Meiryo UI" panose="020B0604030504040204" pitchFamily="50" charset="-128"/>
             </a:endParaRPr>
@@ -7624,13 +7597,13 @@
         <p:spPr>
           <a:xfrm>
             <a:off x="4616277" y="6143694"/>
-            <a:ext cx="4057970" cy="646331"/>
+            <a:ext cx="4186980" cy="615553"/>
           </a:xfrm>
           <a:prstGeom prst="rect">
             <a:avLst/>
           </a:prstGeom>
           <a:noFill/>
-          <a:ln>
+          <a:ln w="28575">
             <a:solidFill>
               <a:srgbClr val="FFC000"/>
             </a:solidFill>
@@ -7684,41 +7657,48 @@
           </a:p>
           <a:p>
             <a:r>
-              <a:rPr lang="en-US" altLang="ja-JP" dirty="0" smtClean="0">
-                <a:latin typeface="Meiryo UI" panose="020B0604030504040204" pitchFamily="50" charset="-128"/>
-                <a:ea typeface="Meiryo UI" panose="020B0604030504040204" pitchFamily="50" charset="-128"/>
-              </a:rPr>
-              <a:t>./</a:t>
-            </a:r>
-            <a:r>
-              <a:rPr lang="en-US" altLang="ja-JP" dirty="0" err="1">
-                <a:latin typeface="Meiryo UI" panose="020B0604030504040204" pitchFamily="50" charset="-128"/>
-                <a:ea typeface="Meiryo UI" panose="020B0604030504040204" pitchFamily="50" charset="-128"/>
-              </a:rPr>
-              <a:t>r</a:t>
-            </a:r>
-            <a:r>
-              <a:rPr kumimoji="1" lang="en-US" altLang="ja-JP" dirty="0" err="1" smtClean="0">
-                <a:latin typeface="Meiryo UI" panose="020B0604030504040204" pitchFamily="50" charset="-128"/>
-                <a:ea typeface="Meiryo UI" panose="020B0604030504040204" pitchFamily="50" charset="-128"/>
-              </a:rPr>
-              <a:t>tmdocker</a:t>
-            </a:r>
-            <a:r>
-              <a:rPr kumimoji="1" lang="en-US" altLang="ja-JP" dirty="0" smtClean="0">
+              <a:rPr lang="en-US" altLang="ja-JP" sz="1600" dirty="0">
                 <a:latin typeface="Meiryo UI" panose="020B0604030504040204" pitchFamily="50" charset="-128"/>
                 <a:ea typeface="Meiryo UI" panose="020B0604030504040204" pitchFamily="50" charset="-128"/>
               </a:rPr>
               <a:t> </a:t>
             </a:r>
             <a:r>
-              <a:rPr kumimoji="1" lang="en-US" altLang="ja-JP" dirty="0" err="1" smtClean="0">
+              <a:rPr lang="en-US" altLang="ja-JP" sz="1600" dirty="0" smtClean="0">
+                <a:latin typeface="Meiryo UI" panose="020B0604030504040204" pitchFamily="50" charset="-128"/>
+                <a:ea typeface="Meiryo UI" panose="020B0604030504040204" pitchFamily="50" charset="-128"/>
+              </a:rPr>
+              <a:t>   </a:t>
+            </a:r>
+            <a:r>
+              <a:rPr lang="en-US" altLang="ja-JP" sz="1600" i="1" dirty="0" smtClean="0">
+                <a:latin typeface="Meiryo UI" panose="020B0604030504040204" pitchFamily="50" charset="-128"/>
+                <a:ea typeface="Meiryo UI" panose="020B0604030504040204" pitchFamily="50" charset="-128"/>
+              </a:rPr>
+              <a:t>$ </a:t>
+            </a:r>
+            <a:r>
+              <a:rPr lang="en-US" altLang="ja-JP" sz="1600" i="1" dirty="0">
+                <a:latin typeface="Meiryo UI" panose="020B0604030504040204" pitchFamily="50" charset="-128"/>
+                <a:ea typeface="Meiryo UI" panose="020B0604030504040204" pitchFamily="50" charset="-128"/>
+              </a:rPr>
+              <a:t>python </a:t>
+            </a:r>
+            <a:r>
+              <a:rPr lang="en-US" altLang="ja-JP" sz="1600" i="1" dirty="0" smtClean="0">
+                <a:latin typeface="Meiryo UI" panose="020B0604030504040204" pitchFamily="50" charset="-128"/>
+                <a:ea typeface="Meiryo UI" panose="020B0604030504040204" pitchFamily="50" charset="-128"/>
+              </a:rPr>
+              <a:t>rtmdocker.py </a:t>
+            </a:r>
+            <a:r>
+              <a:rPr lang="en-US" altLang="ja-JP" sz="1600" i="1" dirty="0" err="1" smtClean="0">
                 <a:latin typeface="Meiryo UI" panose="020B0604030504040204" pitchFamily="50" charset="-128"/>
                 <a:ea typeface="Meiryo UI" panose="020B0604030504040204" pitchFamily="50" charset="-128"/>
               </a:rPr>
               <a:t>ConsoleOutPy</a:t>
             </a:r>
-            <a:endParaRPr kumimoji="1" lang="ja-JP" altLang="en-US" dirty="0">
+            <a:endParaRPr kumimoji="1" lang="ja-JP" altLang="en-US" sz="1600" dirty="0">
               <a:latin typeface="Meiryo UI" panose="020B0604030504040204" pitchFamily="50" charset="-128"/>
               <a:ea typeface="Meiryo UI" panose="020B0604030504040204" pitchFamily="50" charset="-128"/>
             </a:endParaRPr>
@@ -7735,8 +7715,8 @@
         </p:nvCxnSpPr>
         <p:spPr>
           <a:xfrm flipV="1">
-            <a:off x="2309009" y="3569762"/>
-            <a:ext cx="3560167" cy="2573932"/>
+            <a:off x="2404901" y="3569762"/>
+            <a:ext cx="3464275" cy="2573932"/>
           </a:xfrm>
           <a:prstGeom prst="straightConnector1">
             <a:avLst/>
@@ -7770,8 +7750,8 @@
         </p:nvCxnSpPr>
         <p:spPr>
           <a:xfrm flipH="1" flipV="1">
-            <a:off x="6360081" y="5695135"/>
-            <a:ext cx="285181" cy="448559"/>
+            <a:off x="6360087" y="5695136"/>
+            <a:ext cx="349680" cy="448558"/>
           </a:xfrm>
           <a:prstGeom prst="straightConnector1">
             <a:avLst/>
@@ -7808,8 +7788,8 @@
         </p:nvCxnSpPr>
         <p:spPr>
           <a:xfrm flipH="1">
-            <a:off x="3076353" y="1626232"/>
-            <a:ext cx="174230" cy="1127328"/>
+            <a:off x="3076353" y="1595454"/>
+            <a:ext cx="174230" cy="1158106"/>
           </a:xfrm>
           <a:prstGeom prst="straightConnector1">
             <a:avLst/>

--- a/docs/img/images.pptx
+++ b/docs/img/images.pptx
@@ -10,6 +10,7 @@
     <p:sldId id="261" r:id="rId4"/>
     <p:sldId id="262" r:id="rId5"/>
     <p:sldId id="263" r:id="rId6"/>
+    <p:sldId id="264" r:id="rId7"/>
   </p:sldIdLst>
   <p:sldSz cx="9144000" cy="6858000" type="screen4x3"/>
   <p:notesSz cx="6858000" cy="9144000"/>
@@ -247,7 +248,7 @@
           <a:p>
             <a:fld id="{5F062844-4D04-4486-911D-9E67CD5A2470}" type="datetimeFigureOut">
               <a:rPr kumimoji="1" lang="ja-JP" altLang="en-US" smtClean="0"/>
-              <a:t>2017/12/4</a:t>
+              <a:t>2017/12/11</a:t>
             </a:fld>
             <a:endParaRPr kumimoji="1" lang="ja-JP" altLang="en-US"/>
           </a:p>
@@ -449,7 +450,7 @@
           <a:p>
             <a:fld id="{5F062844-4D04-4486-911D-9E67CD5A2470}" type="datetimeFigureOut">
               <a:rPr kumimoji="1" lang="ja-JP" altLang="en-US" smtClean="0"/>
-              <a:t>2017/12/4</a:t>
+              <a:t>2017/12/11</a:t>
             </a:fld>
             <a:endParaRPr kumimoji="1" lang="ja-JP" altLang="en-US"/>
           </a:p>
@@ -661,7 +662,7 @@
           <a:p>
             <a:fld id="{5F062844-4D04-4486-911D-9E67CD5A2470}" type="datetimeFigureOut">
               <a:rPr kumimoji="1" lang="ja-JP" altLang="en-US" smtClean="0"/>
-              <a:t>2017/12/4</a:t>
+              <a:t>2017/12/11</a:t>
             </a:fld>
             <a:endParaRPr kumimoji="1" lang="ja-JP" altLang="en-US"/>
           </a:p>
@@ -863,7 +864,7 @@
           <a:p>
             <a:fld id="{5F062844-4D04-4486-911D-9E67CD5A2470}" type="datetimeFigureOut">
               <a:rPr kumimoji="1" lang="ja-JP" altLang="en-US" smtClean="0"/>
-              <a:t>2017/12/4</a:t>
+              <a:t>2017/12/11</a:t>
             </a:fld>
             <a:endParaRPr kumimoji="1" lang="ja-JP" altLang="en-US"/>
           </a:p>
@@ -1109,7 +1110,7 @@
           <a:p>
             <a:fld id="{5F062844-4D04-4486-911D-9E67CD5A2470}" type="datetimeFigureOut">
               <a:rPr kumimoji="1" lang="ja-JP" altLang="en-US" smtClean="0"/>
-              <a:t>2017/12/4</a:t>
+              <a:t>2017/12/11</a:t>
             </a:fld>
             <a:endParaRPr kumimoji="1" lang="ja-JP" altLang="en-US"/>
           </a:p>
@@ -1405,7 +1406,7 @@
           <a:p>
             <a:fld id="{5F062844-4D04-4486-911D-9E67CD5A2470}" type="datetimeFigureOut">
               <a:rPr kumimoji="1" lang="ja-JP" altLang="en-US" smtClean="0"/>
-              <a:t>2017/12/4</a:t>
+              <a:t>2017/12/11</a:t>
             </a:fld>
             <a:endParaRPr kumimoji="1" lang="ja-JP" altLang="en-US"/>
           </a:p>
@@ -1836,7 +1837,7 @@
           <a:p>
             <a:fld id="{5F062844-4D04-4486-911D-9E67CD5A2470}" type="datetimeFigureOut">
               <a:rPr kumimoji="1" lang="ja-JP" altLang="en-US" smtClean="0"/>
-              <a:t>2017/12/4</a:t>
+              <a:t>2017/12/11</a:t>
             </a:fld>
             <a:endParaRPr kumimoji="1" lang="ja-JP" altLang="en-US"/>
           </a:p>
@@ -1954,7 +1955,7 @@
           <a:p>
             <a:fld id="{5F062844-4D04-4486-911D-9E67CD5A2470}" type="datetimeFigureOut">
               <a:rPr kumimoji="1" lang="ja-JP" altLang="en-US" smtClean="0"/>
-              <a:t>2017/12/4</a:t>
+              <a:t>2017/12/11</a:t>
             </a:fld>
             <a:endParaRPr kumimoji="1" lang="ja-JP" altLang="en-US"/>
           </a:p>
@@ -2049,7 +2050,7 @@
           <a:p>
             <a:fld id="{5F062844-4D04-4486-911D-9E67CD5A2470}" type="datetimeFigureOut">
               <a:rPr kumimoji="1" lang="ja-JP" altLang="en-US" smtClean="0"/>
-              <a:t>2017/12/4</a:t>
+              <a:t>2017/12/11</a:t>
             </a:fld>
             <a:endParaRPr kumimoji="1" lang="ja-JP" altLang="en-US"/>
           </a:p>
@@ -2358,7 +2359,7 @@
           <a:p>
             <a:fld id="{5F062844-4D04-4486-911D-9E67CD5A2470}" type="datetimeFigureOut">
               <a:rPr kumimoji="1" lang="ja-JP" altLang="en-US" smtClean="0"/>
-              <a:t>2017/12/4</a:t>
+              <a:t>2017/12/11</a:t>
             </a:fld>
             <a:endParaRPr kumimoji="1" lang="ja-JP" altLang="en-US"/>
           </a:p>
@@ -2611,7 +2612,7 @@
           <a:p>
             <a:fld id="{5F062844-4D04-4486-911D-9E67CD5A2470}" type="datetimeFigureOut">
               <a:rPr kumimoji="1" lang="ja-JP" altLang="en-US" smtClean="0"/>
-              <a:t>2017/12/4</a:t>
+              <a:t>2017/12/11</a:t>
             </a:fld>
             <a:endParaRPr kumimoji="1" lang="ja-JP" altLang="en-US"/>
           </a:p>
@@ -2856,7 +2857,7 @@
           <a:p>
             <a:fld id="{5F062844-4D04-4486-911D-9E67CD5A2470}" type="datetimeFigureOut">
               <a:rPr kumimoji="1" lang="ja-JP" altLang="en-US" smtClean="0"/>
-              <a:t>2017/12/4</a:t>
+              <a:t>2017/12/11</a:t>
             </a:fld>
             <a:endParaRPr kumimoji="1" lang="ja-JP" altLang="en-US"/>
           </a:p>
@@ -7432,28 +7433,14 @@
                 <a:latin typeface="Meiryo UI" panose="020B0604030504040204" pitchFamily="50" charset="-128"/>
                 <a:ea typeface="Meiryo UI" panose="020B0604030504040204" pitchFamily="50" charset="-128"/>
               </a:rPr>
-              <a:t>    python </a:t>
-            </a:r>
-            <a:r>
-              <a:rPr lang="en-US" altLang="ja-JP" sz="1600" i="1" dirty="0" smtClean="0">
-                <a:latin typeface="Meiryo UI" panose="020B0604030504040204" pitchFamily="50" charset="-128"/>
-                <a:ea typeface="Meiryo UI" panose="020B0604030504040204" pitchFamily="50" charset="-128"/>
-              </a:rPr>
-              <a:t>r</a:t>
+              <a:t>    python r</a:t>
             </a:r>
             <a:r>
               <a:rPr kumimoji="1" lang="en-US" altLang="ja-JP" sz="1600" i="1" dirty="0" smtClean="0">
                 <a:latin typeface="Meiryo UI" panose="020B0604030504040204" pitchFamily="50" charset="-128"/>
                 <a:ea typeface="Meiryo UI" panose="020B0604030504040204" pitchFamily="50" charset="-128"/>
               </a:rPr>
-              <a:t>tmdocker.py </a:t>
-            </a:r>
-            <a:r>
-              <a:rPr kumimoji="1" lang="en-US" altLang="ja-JP" sz="1600" i="1" dirty="0" smtClean="0">
-                <a:latin typeface="Meiryo UI" panose="020B0604030504040204" pitchFamily="50" charset="-128"/>
-                <a:ea typeface="Meiryo UI" panose="020B0604030504040204" pitchFamily="50" charset="-128"/>
-              </a:rPr>
-              <a:t>–x –n </a:t>
+              <a:t>tmdocker.py –x –n </a:t>
             </a:r>
             <a:r>
               <a:rPr kumimoji="1" lang="en-US" altLang="ja-JP" sz="1600" i="1" dirty="0" err="1" smtClean="0">
@@ -7558,14 +7545,7 @@
                 <a:latin typeface="Meiryo UI" panose="020B0604030504040204" pitchFamily="50" charset="-128"/>
                 <a:ea typeface="Meiryo UI" panose="020B0604030504040204" pitchFamily="50" charset="-128"/>
               </a:rPr>
-              <a:t>$ python </a:t>
-            </a:r>
-            <a:r>
-              <a:rPr lang="en-US" altLang="ja-JP" sz="1600" i="1" dirty="0" smtClean="0">
-                <a:latin typeface="Meiryo UI" panose="020B0604030504040204" pitchFamily="50" charset="-128"/>
-                <a:ea typeface="Meiryo UI" panose="020B0604030504040204" pitchFamily="50" charset="-128"/>
-              </a:rPr>
-              <a:t>r</a:t>
+              <a:t>$ python r</a:t>
             </a:r>
             <a:r>
               <a:rPr kumimoji="1" lang="en-US" altLang="ja-JP" sz="1600" i="1" dirty="0" smtClean="0">
@@ -7820,6 +7800,638 @@
     <p:extLst>
       <p:ext uri="{BB962C8B-B14F-4D97-AF65-F5344CB8AC3E}">
         <p14:creationId xmlns:p14="http://schemas.microsoft.com/office/powerpoint/2010/main" val="3900523789"/>
+      </p:ext>
+    </p:extLst>
+  </p:cSld>
+  <p:clrMapOvr>
+    <a:masterClrMapping/>
+  </p:clrMapOvr>
+</p:sld>
+</file>
+
+<file path=ppt/slides/slide6.xml><?xml version="1.0" encoding="utf-8"?>
+<p:sld xmlns:a="http://schemas.openxmlformats.org/drawingml/2006/main" xmlns:r="http://schemas.openxmlformats.org/officeDocument/2006/relationships" xmlns:p="http://schemas.openxmlformats.org/presentationml/2006/main">
+  <p:cSld>
+    <p:spTree>
+      <p:nvGrpSpPr>
+        <p:cNvPr id="1" name=""/>
+        <p:cNvGrpSpPr/>
+        <p:nvPr/>
+      </p:nvGrpSpPr>
+      <p:grpSpPr>
+        <a:xfrm>
+          <a:off x="0" y="0"/>
+          <a:ext cx="0" cy="0"/>
+          <a:chOff x="0" y="0"/>
+          <a:chExt cx="0" cy="0"/>
+        </a:xfrm>
+      </p:grpSpPr>
+      <p:pic>
+        <p:nvPicPr>
+          <p:cNvPr id="3" name="図 2"/>
+          <p:cNvPicPr>
+            <a:picLocks noChangeAspect="1"/>
+          </p:cNvPicPr>
+          <p:nvPr/>
+        </p:nvPicPr>
+        <p:blipFill>
+          <a:blip r:embed="rId2" cstate="print">
+            <a:extLst>
+              <a:ext uri="{28A0092B-C50C-407E-A947-70E740481C1C}">
+                <a14:useLocalDpi xmlns:a14="http://schemas.microsoft.com/office/drawing/2010/main" val="0"/>
+              </a:ext>
+            </a:extLst>
+          </a:blip>
+          <a:stretch>
+            <a:fillRect/>
+          </a:stretch>
+        </p:blipFill>
+        <p:spPr>
+          <a:xfrm>
+            <a:off x="500136" y="1855140"/>
+            <a:ext cx="8382000" cy="4714875"/>
+          </a:xfrm>
+          <a:prstGeom prst="rect">
+            <a:avLst/>
+          </a:prstGeom>
+        </p:spPr>
+      </p:pic>
+      <p:sp>
+        <p:nvSpPr>
+          <p:cNvPr id="5" name="正方形/長方形 4"/>
+          <p:cNvSpPr/>
+          <p:nvPr/>
+        </p:nvSpPr>
+        <p:spPr>
+          <a:xfrm>
+            <a:off x="500137" y="1855140"/>
+            <a:ext cx="4250804" cy="3126435"/>
+          </a:xfrm>
+          <a:prstGeom prst="rect">
+            <a:avLst/>
+          </a:prstGeom>
+          <a:noFill/>
+          <a:ln w="76200">
+            <a:solidFill>
+              <a:srgbClr val="FF0000"/>
+            </a:solidFill>
+          </a:ln>
+        </p:spPr>
+        <p:style>
+          <a:lnRef idx="2">
+            <a:schemeClr val="accent6"/>
+          </a:lnRef>
+          <a:fillRef idx="1">
+            <a:schemeClr val="lt1"/>
+          </a:fillRef>
+          <a:effectRef idx="0">
+            <a:schemeClr val="accent6"/>
+          </a:effectRef>
+          <a:fontRef idx="minor">
+            <a:schemeClr val="dk1"/>
+          </a:fontRef>
+        </p:style>
+        <p:txBody>
+          <a:bodyPr rtlCol="0" anchor="ctr"/>
+          <a:lstStyle/>
+          <a:p>
+            <a:pPr algn="ctr"/>
+            <a:endParaRPr kumimoji="1" lang="ja-JP" altLang="en-US"/>
+          </a:p>
+        </p:txBody>
+      </p:sp>
+      <p:sp>
+        <p:nvSpPr>
+          <p:cNvPr id="7" name="正方形/長方形 6"/>
+          <p:cNvSpPr/>
+          <p:nvPr/>
+        </p:nvSpPr>
+        <p:spPr>
+          <a:xfrm>
+            <a:off x="5158743" y="1921077"/>
+            <a:ext cx="3432399" cy="2230942"/>
+          </a:xfrm>
+          <a:prstGeom prst="rect">
+            <a:avLst/>
+          </a:prstGeom>
+          <a:noFill/>
+          <a:ln w="76200">
+            <a:solidFill>
+              <a:srgbClr val="FFFF00"/>
+            </a:solidFill>
+          </a:ln>
+        </p:spPr>
+        <p:style>
+          <a:lnRef idx="2">
+            <a:schemeClr val="accent6"/>
+          </a:lnRef>
+          <a:fillRef idx="1">
+            <a:schemeClr val="lt1"/>
+          </a:fillRef>
+          <a:effectRef idx="0">
+            <a:schemeClr val="accent6"/>
+          </a:effectRef>
+          <a:fontRef idx="minor">
+            <a:schemeClr val="dk1"/>
+          </a:fontRef>
+        </p:style>
+        <p:txBody>
+          <a:bodyPr rtlCol="0" anchor="ctr"/>
+          <a:lstStyle/>
+          <a:p>
+            <a:pPr algn="ctr"/>
+            <a:endParaRPr kumimoji="1" lang="ja-JP" altLang="en-US"/>
+          </a:p>
+        </p:txBody>
+      </p:sp>
+      <p:sp>
+        <p:nvSpPr>
+          <p:cNvPr id="8" name="テキスト ボックス 7"/>
+          <p:cNvSpPr txBox="1"/>
+          <p:nvPr/>
+        </p:nvSpPr>
+        <p:spPr>
+          <a:xfrm>
+            <a:off x="1450245" y="39769"/>
+            <a:ext cx="5934638" cy="830997"/>
+          </a:xfrm>
+          <a:prstGeom prst="rect">
+            <a:avLst/>
+          </a:prstGeom>
+          <a:noFill/>
+          <a:ln>
+            <a:noFill/>
+          </a:ln>
+        </p:spPr>
+        <p:txBody>
+          <a:bodyPr wrap="none" rtlCol="0">
+            <a:spAutoFit/>
+          </a:bodyPr>
+          <a:lstStyle/>
+          <a:p>
+            <a:pPr algn="ctr"/>
+            <a:r>
+              <a:rPr lang="en-US" altLang="ja-JP" sz="2400" u="sng" dirty="0">
+                <a:latin typeface="Meiryo UI" panose="020B0604030504040204" pitchFamily="50" charset="-128"/>
+                <a:ea typeface="Meiryo UI" panose="020B0604030504040204" pitchFamily="50" charset="-128"/>
+              </a:rPr>
+              <a:t>Windows</a:t>
+            </a:r>
+            <a:r>
+              <a:rPr kumimoji="1" lang="ja-JP" altLang="en-US" sz="2400" u="sng" dirty="0" smtClean="0">
+                <a:latin typeface="Meiryo UI" panose="020B0604030504040204" pitchFamily="50" charset="-128"/>
+                <a:ea typeface="Meiryo UI" panose="020B0604030504040204" pitchFamily="50" charset="-128"/>
+              </a:rPr>
+              <a:t>環境でリモートデスクトップを利用して</a:t>
+            </a:r>
+            <a:endParaRPr kumimoji="1" lang="en-US" altLang="ja-JP" sz="2400" u="sng" dirty="0" smtClean="0">
+              <a:latin typeface="Meiryo UI" panose="020B0604030504040204" pitchFamily="50" charset="-128"/>
+              <a:ea typeface="Meiryo UI" panose="020B0604030504040204" pitchFamily="50" charset="-128"/>
+            </a:endParaRPr>
+          </a:p>
+          <a:p>
+            <a:pPr algn="ctr"/>
+            <a:r>
+              <a:rPr kumimoji="1" lang="en-US" altLang="ja-JP" sz="2400" u="sng" dirty="0" err="1" smtClean="0">
+                <a:latin typeface="Meiryo UI" panose="020B0604030504040204" pitchFamily="50" charset="-128"/>
+                <a:ea typeface="Meiryo UI" panose="020B0604030504040204" pitchFamily="50" charset="-128"/>
+              </a:rPr>
+              <a:t>OpenRTM</a:t>
+            </a:r>
+            <a:r>
+              <a:rPr kumimoji="1" lang="en-US" altLang="ja-JP" sz="2400" u="sng" dirty="0" smtClean="0">
+                <a:latin typeface="Meiryo UI" panose="020B0604030504040204" pitchFamily="50" charset="-128"/>
+                <a:ea typeface="Meiryo UI" panose="020B0604030504040204" pitchFamily="50" charset="-128"/>
+              </a:rPr>
+              <a:t> on Docker </a:t>
+            </a:r>
+            <a:r>
+              <a:rPr kumimoji="1" lang="ja-JP" altLang="en-US" sz="2400" u="sng" dirty="0" smtClean="0">
+                <a:latin typeface="Meiryo UI" panose="020B0604030504040204" pitchFamily="50" charset="-128"/>
+                <a:ea typeface="Meiryo UI" panose="020B0604030504040204" pitchFamily="50" charset="-128"/>
+              </a:rPr>
+              <a:t>を使用した画面例</a:t>
+            </a:r>
+            <a:endParaRPr kumimoji="1" lang="ja-JP" altLang="en-US" sz="2400" u="sng" dirty="0">
+              <a:latin typeface="Meiryo UI" panose="020B0604030504040204" pitchFamily="50" charset="-128"/>
+              <a:ea typeface="Meiryo UI" panose="020B0604030504040204" pitchFamily="50" charset="-128"/>
+            </a:endParaRPr>
+          </a:p>
+        </p:txBody>
+      </p:sp>
+      <p:sp>
+        <p:nvSpPr>
+          <p:cNvPr id="9" name="テキスト ボックス 8"/>
+          <p:cNvSpPr txBox="1"/>
+          <p:nvPr/>
+        </p:nvSpPr>
+        <p:spPr>
+          <a:xfrm>
+            <a:off x="796999" y="1211301"/>
+            <a:ext cx="6897401" cy="369332"/>
+          </a:xfrm>
+          <a:prstGeom prst="rect">
+            <a:avLst/>
+          </a:prstGeom>
+          <a:noFill/>
+          <a:ln w="28575">
+            <a:solidFill>
+              <a:srgbClr val="FF0000"/>
+            </a:solidFill>
+          </a:ln>
+        </p:spPr>
+        <p:txBody>
+          <a:bodyPr wrap="none" rtlCol="0">
+            <a:spAutoFit/>
+          </a:bodyPr>
+          <a:lstStyle/>
+          <a:p>
+            <a:r>
+              <a:rPr kumimoji="1" lang="ja-JP" altLang="en-US" dirty="0" smtClean="0">
+                <a:latin typeface="Meiryo UI" panose="020B0604030504040204" pitchFamily="50" charset="-128"/>
+                <a:ea typeface="Meiryo UI" panose="020B0604030504040204" pitchFamily="50" charset="-128"/>
+              </a:rPr>
+              <a:t>①</a:t>
+            </a:r>
+            <a:r>
+              <a:rPr lang="en-US" altLang="ja-JP" dirty="0">
+                <a:latin typeface="Meiryo UI" panose="020B0604030504040204" pitchFamily="50" charset="-128"/>
+                <a:ea typeface="Meiryo UI" panose="020B0604030504040204" pitchFamily="50" charset="-128"/>
+              </a:rPr>
+              <a:t> </a:t>
+            </a:r>
+            <a:r>
+              <a:rPr lang="en-US" altLang="ja-JP" dirty="0" err="1" smtClean="0">
+                <a:latin typeface="Meiryo UI" panose="020B0604030504040204" pitchFamily="50" charset="-128"/>
+                <a:ea typeface="Meiryo UI" panose="020B0604030504040204" pitchFamily="50" charset="-128"/>
+              </a:rPr>
+              <a:t>NameServer</a:t>
+            </a:r>
+            <a:r>
+              <a:rPr lang="en-US" altLang="ja-JP" dirty="0" smtClean="0">
+                <a:latin typeface="Meiryo UI" panose="020B0604030504040204" pitchFamily="50" charset="-128"/>
+                <a:ea typeface="Meiryo UI" panose="020B0604030504040204" pitchFamily="50" charset="-128"/>
+              </a:rPr>
+              <a:t>, </a:t>
+            </a:r>
+            <a:r>
+              <a:rPr lang="en-US" altLang="ja-JP" dirty="0" err="1" smtClean="0">
+                <a:latin typeface="Meiryo UI" panose="020B0604030504040204" pitchFamily="50" charset="-128"/>
+                <a:ea typeface="Meiryo UI" panose="020B0604030504040204" pitchFamily="50" charset="-128"/>
+              </a:rPr>
+              <a:t>OpenRTP</a:t>
+            </a:r>
+            <a:r>
+              <a:rPr lang="ja-JP" altLang="en-US" dirty="0" err="1" smtClean="0">
+                <a:latin typeface="Meiryo UI" panose="020B0604030504040204" pitchFamily="50" charset="-128"/>
+                <a:ea typeface="Meiryo UI" panose="020B0604030504040204" pitchFamily="50" charset="-128"/>
+              </a:rPr>
+              <a:t>，</a:t>
+            </a:r>
+            <a:r>
+              <a:rPr lang="en-US" altLang="ja-JP" dirty="0" smtClean="0">
+                <a:latin typeface="Meiryo UI" panose="020B0604030504040204" pitchFamily="50" charset="-128"/>
+                <a:ea typeface="Meiryo UI" panose="020B0604030504040204" pitchFamily="50" charset="-128"/>
+              </a:rPr>
+              <a:t>SliderComp.py </a:t>
+            </a:r>
+            <a:r>
+              <a:rPr lang="ja-JP" altLang="en-US" dirty="0" smtClean="0">
+                <a:latin typeface="Meiryo UI" panose="020B0604030504040204" pitchFamily="50" charset="-128"/>
+                <a:ea typeface="Meiryo UI" panose="020B0604030504040204" pitchFamily="50" charset="-128"/>
+              </a:rPr>
+              <a:t>をホスト</a:t>
+            </a:r>
+            <a:r>
+              <a:rPr lang="en-US" altLang="ja-JP" dirty="0" smtClean="0">
+                <a:latin typeface="Meiryo UI" panose="020B0604030504040204" pitchFamily="50" charset="-128"/>
+                <a:ea typeface="Meiryo UI" panose="020B0604030504040204" pitchFamily="50" charset="-128"/>
+              </a:rPr>
+              <a:t>OS</a:t>
+            </a:r>
+            <a:r>
+              <a:rPr lang="ja-JP" altLang="en-US" dirty="0" smtClean="0">
+                <a:latin typeface="Meiryo UI" panose="020B0604030504040204" pitchFamily="50" charset="-128"/>
+                <a:ea typeface="Meiryo UI" panose="020B0604030504040204" pitchFamily="50" charset="-128"/>
+              </a:rPr>
+              <a:t>側で起動</a:t>
+            </a:r>
+            <a:endParaRPr lang="en-US" altLang="ja-JP" dirty="0" smtClean="0">
+              <a:latin typeface="Meiryo UI" panose="020B0604030504040204" pitchFamily="50" charset="-128"/>
+              <a:ea typeface="Meiryo UI" panose="020B0604030504040204" pitchFamily="50" charset="-128"/>
+            </a:endParaRPr>
+          </a:p>
+        </p:txBody>
+      </p:sp>
+      <p:sp>
+        <p:nvSpPr>
+          <p:cNvPr id="11" name="テキスト ボックス 10"/>
+          <p:cNvSpPr txBox="1"/>
+          <p:nvPr/>
+        </p:nvSpPr>
+        <p:spPr>
+          <a:xfrm>
+            <a:off x="477572" y="5743400"/>
+            <a:ext cx="8404564" cy="892552"/>
+          </a:xfrm>
+          <a:prstGeom prst="rect">
+            <a:avLst/>
+          </a:prstGeom>
+          <a:solidFill>
+            <a:schemeClr val="bg1"/>
+          </a:solidFill>
+          <a:ln w="28575">
+            <a:solidFill>
+              <a:srgbClr val="FFC000"/>
+            </a:solidFill>
+          </a:ln>
+        </p:spPr>
+        <p:txBody>
+          <a:bodyPr wrap="square" rtlCol="0">
+            <a:spAutoFit/>
+          </a:bodyPr>
+          <a:lstStyle/>
+          <a:p>
+            <a:r>
+              <a:rPr lang="ja-JP" altLang="en-US" dirty="0">
+                <a:latin typeface="Meiryo UI" panose="020B0604030504040204" pitchFamily="50" charset="-128"/>
+                <a:ea typeface="Meiryo UI" panose="020B0604030504040204" pitchFamily="50" charset="-128"/>
+              </a:rPr>
+              <a:t>②</a:t>
+            </a:r>
+            <a:r>
+              <a:rPr lang="en-US" altLang="ja-JP" dirty="0" smtClean="0">
+                <a:latin typeface="Meiryo UI" panose="020B0604030504040204" pitchFamily="50" charset="-128"/>
+                <a:ea typeface="Meiryo UI" panose="020B0604030504040204" pitchFamily="50" charset="-128"/>
+              </a:rPr>
+              <a:t> </a:t>
+            </a:r>
+            <a:r>
+              <a:rPr lang="ja-JP" altLang="en-US" dirty="0" smtClean="0">
+                <a:latin typeface="Meiryo UI" panose="020B0604030504040204" pitchFamily="50" charset="-128"/>
+                <a:ea typeface="Meiryo UI" panose="020B0604030504040204" pitchFamily="50" charset="-128"/>
+              </a:rPr>
+              <a:t>リモートデスクトップ＋ネームサーバオプションを有効にして</a:t>
+            </a:r>
+            <a:r>
+              <a:rPr lang="en-US" altLang="ja-JP" dirty="0" err="1" smtClean="0">
+                <a:latin typeface="Meiryo UI" panose="020B0604030504040204" pitchFamily="50" charset="-128"/>
+                <a:ea typeface="Meiryo UI" panose="020B0604030504040204" pitchFamily="50" charset="-128"/>
+              </a:rPr>
+              <a:t>OpenRTM</a:t>
+            </a:r>
+            <a:r>
+              <a:rPr lang="en-US" altLang="ja-JP" dirty="0" smtClean="0">
+                <a:latin typeface="Meiryo UI" panose="020B0604030504040204" pitchFamily="50" charset="-128"/>
+                <a:ea typeface="Meiryo UI" panose="020B0604030504040204" pitchFamily="50" charset="-128"/>
+              </a:rPr>
+              <a:t> on Docker </a:t>
+            </a:r>
+            <a:r>
+              <a:rPr lang="ja-JP" altLang="en-US" dirty="0" smtClean="0">
+                <a:latin typeface="Meiryo UI" panose="020B0604030504040204" pitchFamily="50" charset="-128"/>
+                <a:ea typeface="Meiryo UI" panose="020B0604030504040204" pitchFamily="50" charset="-128"/>
+              </a:rPr>
+              <a:t>起動</a:t>
+            </a:r>
+            <a:endParaRPr lang="en-US" altLang="ja-JP" dirty="0">
+              <a:latin typeface="Meiryo UI" panose="020B0604030504040204" pitchFamily="50" charset="-128"/>
+              <a:ea typeface="Meiryo UI" panose="020B0604030504040204" pitchFamily="50" charset="-128"/>
+            </a:endParaRPr>
+          </a:p>
+          <a:p>
+            <a:r>
+              <a:rPr lang="en-US" altLang="ja-JP" sz="1600" dirty="0" smtClean="0">
+                <a:latin typeface="Meiryo UI" panose="020B0604030504040204" pitchFamily="50" charset="-128"/>
+                <a:ea typeface="Meiryo UI" panose="020B0604030504040204" pitchFamily="50" charset="-128"/>
+              </a:rPr>
+              <a:t>    </a:t>
+            </a:r>
+            <a:r>
+              <a:rPr lang="en-US" altLang="ja-JP" sz="1600" i="1" dirty="0" smtClean="0">
+                <a:latin typeface="Meiryo UI" panose="020B0604030504040204" pitchFamily="50" charset="-128"/>
+                <a:ea typeface="Meiryo UI" panose="020B0604030504040204" pitchFamily="50" charset="-128"/>
+              </a:rPr>
+              <a:t>$ </a:t>
+            </a:r>
+            <a:r>
+              <a:rPr lang="en-US" altLang="ja-JP" sz="1600" i="1" dirty="0">
+                <a:latin typeface="Meiryo UI" panose="020B0604030504040204" pitchFamily="50" charset="-128"/>
+                <a:ea typeface="Meiryo UI" panose="020B0604030504040204" pitchFamily="50" charset="-128"/>
+              </a:rPr>
+              <a:t>python </a:t>
+            </a:r>
+            <a:r>
+              <a:rPr lang="en-US" altLang="ja-JP" sz="1600" i="1" dirty="0" smtClean="0">
+                <a:latin typeface="Meiryo UI" panose="020B0604030504040204" pitchFamily="50" charset="-128"/>
+                <a:ea typeface="Meiryo UI" panose="020B0604030504040204" pitchFamily="50" charset="-128"/>
+              </a:rPr>
+              <a:t>rtmdocker.py </a:t>
+            </a:r>
+            <a:r>
+              <a:rPr lang="en-US" altLang="ja-JP" sz="1600" i="1" dirty="0" smtClean="0">
+                <a:latin typeface="Meiryo UI" panose="020B0604030504040204" pitchFamily="50" charset="-128"/>
+                <a:ea typeface="Meiryo UI" panose="020B0604030504040204" pitchFamily="50" charset="-128"/>
+              </a:rPr>
+              <a:t>–r –n bash</a:t>
+            </a:r>
+          </a:p>
+          <a:p>
+            <a:r>
+              <a:rPr kumimoji="1" lang="ja-JP" altLang="en-US" dirty="0" smtClean="0">
+                <a:latin typeface="Meiryo UI" panose="020B0604030504040204" pitchFamily="50" charset="-128"/>
+                <a:ea typeface="Meiryo UI" panose="020B0604030504040204" pitchFamily="50" charset="-128"/>
+              </a:rPr>
+              <a:t>③ 「</a:t>
+            </a:r>
+            <a:r>
+              <a:rPr lang="ja-JP" altLang="en-US" dirty="0" smtClean="0">
+                <a:latin typeface="Meiryo UI" panose="020B0604030504040204" pitchFamily="50" charset="-128"/>
+                <a:ea typeface="Meiryo UI" panose="020B0604030504040204" pitchFamily="50" charset="-128"/>
+              </a:rPr>
+              <a:t>リモートデスクトップ接続」でコンテナと接続し，</a:t>
+            </a:r>
+            <a:r>
+              <a:rPr lang="en-US" altLang="ja-JP" dirty="0" smtClean="0">
+                <a:latin typeface="Meiryo UI" panose="020B0604030504040204" pitchFamily="50" charset="-128"/>
+                <a:ea typeface="Meiryo UI" panose="020B0604030504040204" pitchFamily="50" charset="-128"/>
+              </a:rPr>
+              <a:t>MotorComp.py </a:t>
+            </a:r>
+            <a:r>
+              <a:rPr lang="ja-JP" altLang="en-US" dirty="0" smtClean="0">
+                <a:latin typeface="Meiryo UI" panose="020B0604030504040204" pitchFamily="50" charset="-128"/>
+                <a:ea typeface="Meiryo UI" panose="020B0604030504040204" pitchFamily="50" charset="-128"/>
+              </a:rPr>
+              <a:t>を実行</a:t>
+            </a:r>
+            <a:endParaRPr kumimoji="1" lang="ja-JP" altLang="en-US" sz="1600" dirty="0">
+              <a:latin typeface="Meiryo UI" panose="020B0604030504040204" pitchFamily="50" charset="-128"/>
+              <a:ea typeface="Meiryo UI" panose="020B0604030504040204" pitchFamily="50" charset="-128"/>
+            </a:endParaRPr>
+          </a:p>
+        </p:txBody>
+      </p:sp>
+      <p:cxnSp>
+        <p:nvCxnSpPr>
+          <p:cNvPr id="18" name="直線矢印コネクタ 17"/>
+          <p:cNvCxnSpPr>
+            <a:stCxn id="9" idx="2"/>
+          </p:cNvCxnSpPr>
+          <p:nvPr/>
+        </p:nvCxnSpPr>
+        <p:spPr>
+          <a:xfrm flipH="1">
+            <a:off x="3476425" y="1580633"/>
+            <a:ext cx="769275" cy="1404327"/>
+          </a:xfrm>
+          <a:prstGeom prst="straightConnector1">
+            <a:avLst/>
+          </a:prstGeom>
+          <a:ln w="76200">
+            <a:solidFill>
+              <a:srgbClr val="FF0000"/>
+            </a:solidFill>
+            <a:tailEnd type="triangle"/>
+          </a:ln>
+        </p:spPr>
+        <p:style>
+          <a:lnRef idx="1">
+            <a:schemeClr val="accent1"/>
+          </a:lnRef>
+          <a:fillRef idx="0">
+            <a:schemeClr val="accent1"/>
+          </a:fillRef>
+          <a:effectRef idx="0">
+            <a:schemeClr val="accent1"/>
+          </a:effectRef>
+          <a:fontRef idx="minor">
+            <a:schemeClr val="tx1"/>
+          </a:fontRef>
+        </p:style>
+      </p:cxnSp>
+      <p:sp>
+        <p:nvSpPr>
+          <p:cNvPr id="17" name="正方形/長方形 16"/>
+          <p:cNvSpPr/>
+          <p:nvPr/>
+        </p:nvSpPr>
+        <p:spPr>
+          <a:xfrm>
+            <a:off x="5158743" y="4341252"/>
+            <a:ext cx="2717316" cy="1164651"/>
+          </a:xfrm>
+          <a:prstGeom prst="rect">
+            <a:avLst/>
+          </a:prstGeom>
+          <a:noFill/>
+          <a:ln w="76200">
+            <a:solidFill>
+              <a:srgbClr val="FF0000"/>
+            </a:solidFill>
+          </a:ln>
+        </p:spPr>
+        <p:style>
+          <a:lnRef idx="2">
+            <a:schemeClr val="accent6"/>
+          </a:lnRef>
+          <a:fillRef idx="1">
+            <a:schemeClr val="lt1"/>
+          </a:fillRef>
+          <a:effectRef idx="0">
+            <a:schemeClr val="accent6"/>
+          </a:effectRef>
+          <a:fontRef idx="minor">
+            <a:schemeClr val="dk1"/>
+          </a:fontRef>
+        </p:style>
+        <p:txBody>
+          <a:bodyPr rtlCol="0" anchor="ctr"/>
+          <a:lstStyle/>
+          <a:p>
+            <a:pPr algn="ctr"/>
+            <a:endParaRPr kumimoji="1" lang="ja-JP" altLang="en-US"/>
+          </a:p>
+        </p:txBody>
+      </p:sp>
+      <p:cxnSp>
+        <p:nvCxnSpPr>
+          <p:cNvPr id="20" name="直線矢印コネクタ 19"/>
+          <p:cNvCxnSpPr>
+            <a:stCxn id="9" idx="2"/>
+          </p:cNvCxnSpPr>
+          <p:nvPr/>
+        </p:nvCxnSpPr>
+        <p:spPr>
+          <a:xfrm>
+            <a:off x="4245700" y="1580633"/>
+            <a:ext cx="1469300" cy="3124717"/>
+          </a:xfrm>
+          <a:prstGeom prst="straightConnector1">
+            <a:avLst/>
+          </a:prstGeom>
+          <a:ln w="76200">
+            <a:solidFill>
+              <a:srgbClr val="FF0000"/>
+            </a:solidFill>
+            <a:tailEnd type="triangle"/>
+          </a:ln>
+        </p:spPr>
+        <p:style>
+          <a:lnRef idx="1">
+            <a:schemeClr val="accent1"/>
+          </a:lnRef>
+          <a:fillRef idx="0">
+            <a:schemeClr val="accent1"/>
+          </a:fillRef>
+          <a:effectRef idx="0">
+            <a:schemeClr val="accent1"/>
+          </a:effectRef>
+          <a:fontRef idx="minor">
+            <a:schemeClr val="tx1"/>
+          </a:fontRef>
+        </p:style>
+      </p:cxnSp>
+      <p:cxnSp>
+        <p:nvCxnSpPr>
+          <p:cNvPr id="26" name="直線矢印コネクタ 25"/>
+          <p:cNvCxnSpPr/>
+          <p:nvPr/>
+        </p:nvCxnSpPr>
+        <p:spPr>
+          <a:xfrm flipH="1" flipV="1">
+            <a:off x="7960630" y="3709426"/>
+            <a:ext cx="402320" cy="2033974"/>
+          </a:xfrm>
+          <a:prstGeom prst="straightConnector1">
+            <a:avLst/>
+          </a:prstGeom>
+          <a:ln w="76200">
+            <a:solidFill>
+              <a:srgbClr val="FFFF00"/>
+            </a:solidFill>
+            <a:tailEnd type="triangle"/>
+          </a:ln>
+        </p:spPr>
+        <p:style>
+          <a:lnRef idx="1">
+            <a:schemeClr val="accent1"/>
+          </a:lnRef>
+          <a:fillRef idx="0">
+            <a:schemeClr val="accent1"/>
+          </a:fillRef>
+          <a:effectRef idx="0">
+            <a:schemeClr val="accent1"/>
+          </a:effectRef>
+          <a:fontRef idx="minor">
+            <a:schemeClr val="tx1"/>
+          </a:fontRef>
+        </p:style>
+      </p:cxnSp>
+    </p:spTree>
+    <p:extLst>
+      <p:ext uri="{BB962C8B-B14F-4D97-AF65-F5344CB8AC3E}">
+        <p14:creationId xmlns:p14="http://schemas.microsoft.com/office/powerpoint/2010/main" val="1324014970"/>
       </p:ext>
     </p:extLst>
   </p:cSld>

--- a/docs/img/images.pptx
+++ b/docs/img/images.pptx
@@ -10,7 +10,8 @@
     <p:sldId id="261" r:id="rId4"/>
     <p:sldId id="262" r:id="rId5"/>
     <p:sldId id="263" r:id="rId6"/>
-    <p:sldId id="264" r:id="rId7"/>
+    <p:sldId id="267" r:id="rId7"/>
+    <p:sldId id="264" r:id="rId8"/>
   </p:sldIdLst>
   <p:sldSz cx="9144000" cy="6858000" type="screen4x3"/>
   <p:notesSz cx="6858000" cy="9144000"/>
@@ -248,7 +249,7 @@
           <a:p>
             <a:fld id="{5F062844-4D04-4486-911D-9E67CD5A2470}" type="datetimeFigureOut">
               <a:rPr kumimoji="1" lang="ja-JP" altLang="en-US" smtClean="0"/>
-              <a:t>2017/12/11</a:t>
+              <a:t>2017/12/12</a:t>
             </a:fld>
             <a:endParaRPr kumimoji="1" lang="ja-JP" altLang="en-US"/>
           </a:p>
@@ -450,7 +451,7 @@
           <a:p>
             <a:fld id="{5F062844-4D04-4486-911D-9E67CD5A2470}" type="datetimeFigureOut">
               <a:rPr kumimoji="1" lang="ja-JP" altLang="en-US" smtClean="0"/>
-              <a:t>2017/12/11</a:t>
+              <a:t>2017/12/12</a:t>
             </a:fld>
             <a:endParaRPr kumimoji="1" lang="ja-JP" altLang="en-US"/>
           </a:p>
@@ -662,7 +663,7 @@
           <a:p>
             <a:fld id="{5F062844-4D04-4486-911D-9E67CD5A2470}" type="datetimeFigureOut">
               <a:rPr kumimoji="1" lang="ja-JP" altLang="en-US" smtClean="0"/>
-              <a:t>2017/12/11</a:t>
+              <a:t>2017/12/12</a:t>
             </a:fld>
             <a:endParaRPr kumimoji="1" lang="ja-JP" altLang="en-US"/>
           </a:p>
@@ -864,7 +865,7 @@
           <a:p>
             <a:fld id="{5F062844-4D04-4486-911D-9E67CD5A2470}" type="datetimeFigureOut">
               <a:rPr kumimoji="1" lang="ja-JP" altLang="en-US" smtClean="0"/>
-              <a:t>2017/12/11</a:t>
+              <a:t>2017/12/12</a:t>
             </a:fld>
             <a:endParaRPr kumimoji="1" lang="ja-JP" altLang="en-US"/>
           </a:p>
@@ -1110,7 +1111,7 @@
           <a:p>
             <a:fld id="{5F062844-4D04-4486-911D-9E67CD5A2470}" type="datetimeFigureOut">
               <a:rPr kumimoji="1" lang="ja-JP" altLang="en-US" smtClean="0"/>
-              <a:t>2017/12/11</a:t>
+              <a:t>2017/12/12</a:t>
             </a:fld>
             <a:endParaRPr kumimoji="1" lang="ja-JP" altLang="en-US"/>
           </a:p>
@@ -1406,7 +1407,7 @@
           <a:p>
             <a:fld id="{5F062844-4D04-4486-911D-9E67CD5A2470}" type="datetimeFigureOut">
               <a:rPr kumimoji="1" lang="ja-JP" altLang="en-US" smtClean="0"/>
-              <a:t>2017/12/11</a:t>
+              <a:t>2017/12/12</a:t>
             </a:fld>
             <a:endParaRPr kumimoji="1" lang="ja-JP" altLang="en-US"/>
           </a:p>
@@ -1837,7 +1838,7 @@
           <a:p>
             <a:fld id="{5F062844-4D04-4486-911D-9E67CD5A2470}" type="datetimeFigureOut">
               <a:rPr kumimoji="1" lang="ja-JP" altLang="en-US" smtClean="0"/>
-              <a:t>2017/12/11</a:t>
+              <a:t>2017/12/12</a:t>
             </a:fld>
             <a:endParaRPr kumimoji="1" lang="ja-JP" altLang="en-US"/>
           </a:p>
@@ -1955,7 +1956,7 @@
           <a:p>
             <a:fld id="{5F062844-4D04-4486-911D-9E67CD5A2470}" type="datetimeFigureOut">
               <a:rPr kumimoji="1" lang="ja-JP" altLang="en-US" smtClean="0"/>
-              <a:t>2017/12/11</a:t>
+              <a:t>2017/12/12</a:t>
             </a:fld>
             <a:endParaRPr kumimoji="1" lang="ja-JP" altLang="en-US"/>
           </a:p>
@@ -2050,7 +2051,7 @@
           <a:p>
             <a:fld id="{5F062844-4D04-4486-911D-9E67CD5A2470}" type="datetimeFigureOut">
               <a:rPr kumimoji="1" lang="ja-JP" altLang="en-US" smtClean="0"/>
-              <a:t>2017/12/11</a:t>
+              <a:t>2017/12/12</a:t>
             </a:fld>
             <a:endParaRPr kumimoji="1" lang="ja-JP" altLang="en-US"/>
           </a:p>
@@ -2359,7 +2360,7 @@
           <a:p>
             <a:fld id="{5F062844-4D04-4486-911D-9E67CD5A2470}" type="datetimeFigureOut">
               <a:rPr kumimoji="1" lang="ja-JP" altLang="en-US" smtClean="0"/>
-              <a:t>2017/12/11</a:t>
+              <a:t>2017/12/12</a:t>
             </a:fld>
             <a:endParaRPr kumimoji="1" lang="ja-JP" altLang="en-US"/>
           </a:p>
@@ -2612,7 +2613,7 @@
           <a:p>
             <a:fld id="{5F062844-4D04-4486-911D-9E67CD5A2470}" type="datetimeFigureOut">
               <a:rPr kumimoji="1" lang="ja-JP" altLang="en-US" smtClean="0"/>
-              <a:t>2017/12/11</a:t>
+              <a:t>2017/12/12</a:t>
             </a:fld>
             <a:endParaRPr kumimoji="1" lang="ja-JP" altLang="en-US"/>
           </a:p>
@@ -2857,7 +2858,7 @@
           <a:p>
             <a:fld id="{5F062844-4D04-4486-911D-9E67CD5A2470}" type="datetimeFigureOut">
               <a:rPr kumimoji="1" lang="ja-JP" altLang="en-US" smtClean="0"/>
-              <a:t>2017/12/11</a:t>
+              <a:t>2017/12/12</a:t>
             </a:fld>
             <a:endParaRPr kumimoji="1" lang="ja-JP" altLang="en-US"/>
           </a:p>
@@ -7828,7 +7829,7 @@
       </p:grpSpPr>
       <p:pic>
         <p:nvPicPr>
-          <p:cNvPr id="3" name="図 2"/>
+          <p:cNvPr id="2" name="図 1"/>
           <p:cNvPicPr>
             <a:picLocks noChangeAspect="1"/>
           </p:cNvPicPr>
@@ -7848,8 +7849,8 @@
         </p:blipFill>
         <p:spPr>
           <a:xfrm>
-            <a:off x="500136" y="1855140"/>
-            <a:ext cx="8382000" cy="4714875"/>
+            <a:off x="603483" y="1704589"/>
+            <a:ext cx="7427343" cy="4328164"/>
           </a:xfrm>
           <a:prstGeom prst="rect">
             <a:avLst/>
@@ -7864,8 +7865,8 @@
         </p:nvSpPr>
         <p:spPr>
           <a:xfrm>
-            <a:off x="500137" y="1855140"/>
-            <a:ext cx="4250804" cy="3126435"/>
+            <a:off x="1007533" y="1855140"/>
+            <a:ext cx="4334934" cy="3193120"/>
           </a:xfrm>
           <a:prstGeom prst="rect">
             <a:avLst/>
@@ -7902,14 +7903,14 @@
       </p:sp>
       <p:sp>
         <p:nvSpPr>
-          <p:cNvPr id="7" name="正方形/長方形 6"/>
+          <p:cNvPr id="6" name="正方形/長方形 5"/>
           <p:cNvSpPr/>
           <p:nvPr/>
         </p:nvSpPr>
         <p:spPr>
           <a:xfrm>
-            <a:off x="5158743" y="1921077"/>
-            <a:ext cx="3432399" cy="2230942"/>
+            <a:off x="980866" y="5157394"/>
+            <a:ext cx="3955201" cy="537742"/>
           </a:xfrm>
           <a:prstGeom prst="rect">
             <a:avLst/>
@@ -7917,7 +7918,7 @@
           <a:noFill/>
           <a:ln w="76200">
             <a:solidFill>
-              <a:srgbClr val="FFFF00"/>
+              <a:srgbClr val="0070C0"/>
             </a:solidFill>
           </a:ln>
         </p:spPr>
@@ -7952,8 +7953,8 @@
         </p:nvSpPr>
         <p:spPr>
           <a:xfrm>
-            <a:off x="1450245" y="39769"/>
-            <a:ext cx="5934638" cy="830997"/>
+            <a:off x="850147" y="39769"/>
+            <a:ext cx="7134837" cy="830997"/>
           </a:xfrm>
           <a:prstGeom prst="rect">
             <a:avLst/>
@@ -7971,18 +7972,46 @@
           <a:p>
             <a:pPr algn="ctr"/>
             <a:r>
-              <a:rPr lang="en-US" altLang="ja-JP" sz="2400" u="sng" dirty="0">
-                <a:latin typeface="Meiryo UI" panose="020B0604030504040204" pitchFamily="50" charset="-128"/>
-                <a:ea typeface="Meiryo UI" panose="020B0604030504040204" pitchFamily="50" charset="-128"/>
-              </a:rPr>
-              <a:t>Windows</a:t>
+              <a:rPr kumimoji="1" lang="en-US" altLang="ja-JP" sz="2400" u="sng" dirty="0" smtClean="0">
+                <a:latin typeface="Meiryo UI" panose="020B0604030504040204" pitchFamily="50" charset="-128"/>
+                <a:ea typeface="Meiryo UI" panose="020B0604030504040204" pitchFamily="50" charset="-128"/>
+              </a:rPr>
+              <a:t>Linux</a:t>
             </a:r>
             <a:r>
               <a:rPr kumimoji="1" lang="ja-JP" altLang="en-US" sz="2400" u="sng" dirty="0" smtClean="0">
                 <a:latin typeface="Meiryo UI" panose="020B0604030504040204" pitchFamily="50" charset="-128"/>
                 <a:ea typeface="Meiryo UI" panose="020B0604030504040204" pitchFamily="50" charset="-128"/>
               </a:rPr>
-              <a:t>環境でリモートデスクトップを利用して</a:t>
+              <a:t>環境</a:t>
+            </a:r>
+            <a:r>
+              <a:rPr kumimoji="1" lang="ja-JP" altLang="en-US" sz="2400" u="sng" dirty="0" smtClean="0">
+                <a:latin typeface="Meiryo UI" panose="020B0604030504040204" pitchFamily="50" charset="-128"/>
+                <a:ea typeface="Meiryo UI" panose="020B0604030504040204" pitchFamily="50" charset="-128"/>
+              </a:rPr>
+              <a:t>で </a:t>
+            </a:r>
+            <a:r>
+              <a:rPr kumimoji="1" lang="en-US" altLang="ja-JP" sz="2400" u="sng" dirty="0" err="1" smtClean="0">
+                <a:latin typeface="Meiryo UI" panose="020B0604030504040204" pitchFamily="50" charset="-128"/>
+                <a:ea typeface="Meiryo UI" panose="020B0604030504040204" pitchFamily="50" charset="-128"/>
+              </a:rPr>
+              <a:t>OpenRTM</a:t>
+            </a:r>
+            <a:r>
+              <a:rPr kumimoji="1" lang="en-US" altLang="ja-JP" sz="2400" u="sng" dirty="0" smtClean="0">
+                <a:latin typeface="Meiryo UI" panose="020B0604030504040204" pitchFamily="50" charset="-128"/>
+                <a:ea typeface="Meiryo UI" panose="020B0604030504040204" pitchFamily="50" charset="-128"/>
+              </a:rPr>
+              <a:t> on Docker </a:t>
+            </a:r>
+            <a:r>
+              <a:rPr kumimoji="1" lang="ja-JP" altLang="en-US" sz="2400" u="sng" dirty="0" smtClean="0">
+                <a:latin typeface="Meiryo UI" panose="020B0604030504040204" pitchFamily="50" charset="-128"/>
+                <a:ea typeface="Meiryo UI" panose="020B0604030504040204" pitchFamily="50" charset="-128"/>
+              </a:rPr>
+              <a:t>コンテナ内部から</a:t>
             </a:r>
             <a:endParaRPr kumimoji="1" lang="en-US" altLang="ja-JP" sz="2400" u="sng" dirty="0" smtClean="0">
               <a:latin typeface="Meiryo UI" panose="020B0604030504040204" pitchFamily="50" charset="-128"/>
@@ -7992,25 +8021,11 @@
           <a:p>
             <a:pPr algn="ctr"/>
             <a:r>
-              <a:rPr kumimoji="1" lang="en-US" altLang="ja-JP" sz="2400" u="sng" dirty="0" err="1" smtClean="0">
-                <a:latin typeface="Meiryo UI" panose="020B0604030504040204" pitchFamily="50" charset="-128"/>
-                <a:ea typeface="Meiryo UI" panose="020B0604030504040204" pitchFamily="50" charset="-128"/>
-              </a:rPr>
-              <a:t>OpenRTM</a:t>
-            </a:r>
-            <a:r>
-              <a:rPr kumimoji="1" lang="en-US" altLang="ja-JP" sz="2400" u="sng" dirty="0" smtClean="0">
-                <a:latin typeface="Meiryo UI" panose="020B0604030504040204" pitchFamily="50" charset="-128"/>
-                <a:ea typeface="Meiryo UI" panose="020B0604030504040204" pitchFamily="50" charset="-128"/>
-              </a:rPr>
-              <a:t> on Docker </a:t>
-            </a:r>
-            <a:r>
               <a:rPr kumimoji="1" lang="ja-JP" altLang="en-US" sz="2400" u="sng" dirty="0" smtClean="0">
                 <a:latin typeface="Meiryo UI" panose="020B0604030504040204" pitchFamily="50" charset="-128"/>
                 <a:ea typeface="Meiryo UI" panose="020B0604030504040204" pitchFamily="50" charset="-128"/>
               </a:rPr>
-              <a:t>を使用した画面例</a:t>
+              <a:t>デバイスを制御した画面例</a:t>
             </a:r>
             <a:endParaRPr kumimoji="1" lang="ja-JP" altLang="en-US" sz="2400" u="sng" dirty="0">
               <a:latin typeface="Meiryo UI" panose="020B0604030504040204" pitchFamily="50" charset="-128"/>
@@ -8027,8 +8042,8 @@
         </p:nvSpPr>
         <p:spPr>
           <a:xfrm>
-            <a:off x="796999" y="1211301"/>
-            <a:ext cx="6897401" cy="369332"/>
+            <a:off x="396949" y="979901"/>
+            <a:ext cx="5707268" cy="584775"/>
           </a:xfrm>
           <a:prstGeom prst="rect">
             <a:avLst/>
@@ -8082,45 +8097,219 @@
               <a:t>OpenRTP</a:t>
             </a:r>
             <a:r>
-              <a:rPr lang="ja-JP" altLang="en-US" dirty="0" err="1" smtClean="0">
-                <a:latin typeface="Meiryo UI" panose="020B0604030504040204" pitchFamily="50" charset="-128"/>
-                <a:ea typeface="Meiryo UI" panose="020B0604030504040204" pitchFamily="50" charset="-128"/>
-              </a:rPr>
-              <a:t>，</a:t>
-            </a:r>
-            <a:r>
               <a:rPr lang="en-US" altLang="ja-JP" dirty="0" smtClean="0">
                 <a:latin typeface="Meiryo UI" panose="020B0604030504040204" pitchFamily="50" charset="-128"/>
                 <a:ea typeface="Meiryo UI" panose="020B0604030504040204" pitchFamily="50" charset="-128"/>
               </a:rPr>
-              <a:t>SliderComp.py </a:t>
+              <a:t> </a:t>
             </a:r>
             <a:r>
               <a:rPr lang="ja-JP" altLang="en-US" dirty="0" smtClean="0">
                 <a:latin typeface="Meiryo UI" panose="020B0604030504040204" pitchFamily="50" charset="-128"/>
                 <a:ea typeface="Meiryo UI" panose="020B0604030504040204" pitchFamily="50" charset="-128"/>
               </a:rPr>
-              <a:t>をホスト</a:t>
+              <a:t>を</a:t>
             </a:r>
             <a:r>
               <a:rPr lang="en-US" altLang="ja-JP" dirty="0" smtClean="0">
                 <a:latin typeface="Meiryo UI" panose="020B0604030504040204" pitchFamily="50" charset="-128"/>
                 <a:ea typeface="Meiryo UI" panose="020B0604030504040204" pitchFamily="50" charset="-128"/>
               </a:rPr>
-              <a:t>OS</a:t>
+              <a:t>X</a:t>
             </a:r>
             <a:r>
               <a:rPr lang="ja-JP" altLang="en-US" dirty="0" smtClean="0">
                 <a:latin typeface="Meiryo UI" panose="020B0604030504040204" pitchFamily="50" charset="-128"/>
                 <a:ea typeface="Meiryo UI" panose="020B0604030504040204" pitchFamily="50" charset="-128"/>
               </a:rPr>
-              <a:t>側で起動</a:t>
+              <a:t>ウィンドウ転送ありで起動</a:t>
             </a:r>
             <a:endParaRPr lang="en-US" altLang="ja-JP" dirty="0" smtClean="0">
               <a:latin typeface="Meiryo UI" panose="020B0604030504040204" pitchFamily="50" charset="-128"/>
               <a:ea typeface="Meiryo UI" panose="020B0604030504040204" pitchFamily="50" charset="-128"/>
             </a:endParaRPr>
           </a:p>
+          <a:p>
+            <a:r>
+              <a:rPr lang="en-US" altLang="ja-JP" sz="1400" i="1" dirty="0" smtClean="0">
+                <a:latin typeface="Meiryo UI" panose="020B0604030504040204" pitchFamily="50" charset="-128"/>
+                <a:ea typeface="Meiryo UI" panose="020B0604030504040204" pitchFamily="50" charset="-128"/>
+              </a:rPr>
+              <a:t>    </a:t>
+            </a:r>
+            <a:r>
+              <a:rPr lang="en-US" altLang="ja-JP" sz="1400" i="1" dirty="0" smtClean="0">
+                <a:latin typeface="Meiryo UI" panose="020B0604030504040204" pitchFamily="50" charset="-128"/>
+                <a:ea typeface="Meiryo UI" panose="020B0604030504040204" pitchFamily="50" charset="-128"/>
+              </a:rPr>
+              <a:t>$</a:t>
+            </a:r>
+            <a:r>
+              <a:rPr lang="ja-JP" altLang="en-US" sz="1400" i="1" dirty="0">
+                <a:latin typeface="Meiryo UI" panose="020B0604030504040204" pitchFamily="50" charset="-128"/>
+                <a:ea typeface="Meiryo UI" panose="020B0604030504040204" pitchFamily="50" charset="-128"/>
+              </a:rPr>
+              <a:t> </a:t>
+            </a:r>
+            <a:r>
+              <a:rPr lang="en-US" altLang="ja-JP" sz="1400" i="1" dirty="0" smtClean="0">
+                <a:latin typeface="Meiryo UI" panose="020B0604030504040204" pitchFamily="50" charset="-128"/>
+                <a:ea typeface="Meiryo UI" panose="020B0604030504040204" pitchFamily="50" charset="-128"/>
+              </a:rPr>
+              <a:t>python </a:t>
+            </a:r>
+            <a:r>
+              <a:rPr lang="en-US" altLang="ja-JP" sz="1400" i="1" dirty="0" smtClean="0">
+                <a:latin typeface="Meiryo UI" panose="020B0604030504040204" pitchFamily="50" charset="-128"/>
+                <a:ea typeface="Meiryo UI" panose="020B0604030504040204" pitchFamily="50" charset="-128"/>
+              </a:rPr>
+              <a:t>r</a:t>
+            </a:r>
+            <a:r>
+              <a:rPr kumimoji="1" lang="en-US" altLang="ja-JP" sz="1400" i="1" dirty="0" smtClean="0">
+                <a:latin typeface="Meiryo UI" panose="020B0604030504040204" pitchFamily="50" charset="-128"/>
+                <a:ea typeface="Meiryo UI" panose="020B0604030504040204" pitchFamily="50" charset="-128"/>
+              </a:rPr>
+              <a:t>tmdocker.py –x –n </a:t>
+            </a:r>
+            <a:r>
+              <a:rPr kumimoji="1" lang="en-US" altLang="ja-JP" sz="1400" i="1" dirty="0" err="1" smtClean="0">
+                <a:latin typeface="Meiryo UI" panose="020B0604030504040204" pitchFamily="50" charset="-128"/>
+                <a:ea typeface="Meiryo UI" panose="020B0604030504040204" pitchFamily="50" charset="-128"/>
+              </a:rPr>
+              <a:t>openrtp</a:t>
+            </a:r>
+            <a:endParaRPr kumimoji="1" lang="ja-JP" altLang="en-US" sz="1400" i="1" dirty="0">
+              <a:latin typeface="Meiryo UI" panose="020B0604030504040204" pitchFamily="50" charset="-128"/>
+              <a:ea typeface="Meiryo UI" panose="020B0604030504040204" pitchFamily="50" charset="-128"/>
+            </a:endParaRPr>
+          </a:p>
+        </p:txBody>
+      </p:sp>
+      <p:sp>
+        <p:nvSpPr>
+          <p:cNvPr id="10" name="テキスト ボックス 9"/>
+          <p:cNvSpPr txBox="1"/>
+          <p:nvPr/>
+        </p:nvSpPr>
+        <p:spPr>
+          <a:xfrm>
+            <a:off x="492646" y="6143694"/>
+            <a:ext cx="6662401" cy="615553"/>
+          </a:xfrm>
+          <a:prstGeom prst="rect">
+            <a:avLst/>
+          </a:prstGeom>
+          <a:ln w="28575"/>
+        </p:spPr>
+        <p:style>
+          <a:lnRef idx="2">
+            <a:schemeClr val="accent1"/>
+          </a:lnRef>
+          <a:fillRef idx="1">
+            <a:schemeClr val="lt1"/>
+          </a:fillRef>
+          <a:effectRef idx="0">
+            <a:schemeClr val="accent1"/>
+          </a:effectRef>
+          <a:fontRef idx="minor">
+            <a:schemeClr val="dk1"/>
+          </a:fontRef>
+        </p:style>
+        <p:txBody>
+          <a:bodyPr wrap="none" rtlCol="0">
+            <a:spAutoFit/>
+          </a:bodyPr>
+          <a:lstStyle/>
+          <a:p>
+            <a:r>
+              <a:rPr lang="ja-JP" altLang="en-US" dirty="0" smtClean="0">
+                <a:latin typeface="Meiryo UI" panose="020B0604030504040204" pitchFamily="50" charset="-128"/>
+                <a:ea typeface="Meiryo UI" panose="020B0604030504040204" pitchFamily="50" charset="-128"/>
+              </a:rPr>
+              <a:t>②</a:t>
+            </a:r>
+            <a:r>
+              <a:rPr lang="en-US" altLang="ja-JP" dirty="0" smtClean="0">
+                <a:latin typeface="Meiryo UI" panose="020B0604030504040204" pitchFamily="50" charset="-128"/>
+                <a:ea typeface="Meiryo UI" panose="020B0604030504040204" pitchFamily="50" charset="-128"/>
+              </a:rPr>
+              <a:t> </a:t>
+            </a:r>
+            <a:r>
+              <a:rPr lang="en-US" altLang="ja-JP" dirty="0" smtClean="0">
+                <a:latin typeface="Meiryo UI" panose="020B0604030504040204" pitchFamily="50" charset="-128"/>
+                <a:ea typeface="Meiryo UI" panose="020B0604030504040204" pitchFamily="50" charset="-128"/>
+              </a:rPr>
+              <a:t>/dev/video0 </a:t>
+            </a:r>
+            <a:r>
+              <a:rPr lang="ja-JP" altLang="en-US" dirty="0" err="1" smtClean="0">
+                <a:latin typeface="Meiryo UI" panose="020B0604030504040204" pitchFamily="50" charset="-128"/>
+                <a:ea typeface="Meiryo UI" panose="020B0604030504040204" pitchFamily="50" charset="-128"/>
+              </a:rPr>
+              <a:t>を共</a:t>
+            </a:r>
+            <a:r>
+              <a:rPr lang="ja-JP" altLang="en-US" dirty="0" smtClean="0">
+                <a:latin typeface="Meiryo UI" panose="020B0604030504040204" pitchFamily="50" charset="-128"/>
+                <a:ea typeface="Meiryo UI" panose="020B0604030504040204" pitchFamily="50" charset="-128"/>
+              </a:rPr>
+              <a:t>有し，コンテナ内部でカメラコンポーネントを</a:t>
+            </a:r>
+            <a:r>
+              <a:rPr lang="ja-JP" altLang="en-US" dirty="0" smtClean="0">
+                <a:latin typeface="Meiryo UI" panose="020B0604030504040204" pitchFamily="50" charset="-128"/>
+                <a:ea typeface="Meiryo UI" panose="020B0604030504040204" pitchFamily="50" charset="-128"/>
+              </a:rPr>
+              <a:t>起動</a:t>
+            </a:r>
+            <a:endParaRPr lang="en-US" altLang="ja-JP" dirty="0" smtClean="0">
+              <a:latin typeface="Meiryo UI" panose="020B0604030504040204" pitchFamily="50" charset="-128"/>
+              <a:ea typeface="Meiryo UI" panose="020B0604030504040204" pitchFamily="50" charset="-128"/>
+            </a:endParaRPr>
+          </a:p>
+          <a:p>
+            <a:r>
+              <a:rPr lang="en-US" altLang="ja-JP" sz="1600" dirty="0" smtClean="0">
+                <a:latin typeface="Meiryo UI" panose="020B0604030504040204" pitchFamily="50" charset="-128"/>
+                <a:ea typeface="Meiryo UI" panose="020B0604030504040204" pitchFamily="50" charset="-128"/>
+              </a:rPr>
+              <a:t>    </a:t>
+            </a:r>
+            <a:r>
+              <a:rPr lang="en-US" altLang="ja-JP" sz="1400" i="1" dirty="0" smtClean="0">
+                <a:latin typeface="Meiryo UI" panose="020B0604030504040204" pitchFamily="50" charset="-128"/>
+                <a:ea typeface="Meiryo UI" panose="020B0604030504040204" pitchFamily="50" charset="-128"/>
+              </a:rPr>
+              <a:t>$ python r</a:t>
+            </a:r>
+            <a:r>
+              <a:rPr kumimoji="1" lang="en-US" altLang="ja-JP" sz="1400" i="1" dirty="0" smtClean="0">
+                <a:latin typeface="Meiryo UI" panose="020B0604030504040204" pitchFamily="50" charset="-128"/>
+                <a:ea typeface="Meiryo UI" panose="020B0604030504040204" pitchFamily="50" charset="-128"/>
+              </a:rPr>
+              <a:t>tmdocker.py </a:t>
+            </a:r>
+            <a:r>
+              <a:rPr kumimoji="1" lang="en-US" altLang="ja-JP" sz="1400" i="1" dirty="0" smtClean="0">
+                <a:latin typeface="Meiryo UI" panose="020B0604030504040204" pitchFamily="50" charset="-128"/>
+                <a:ea typeface="Meiryo UI" panose="020B0604030504040204" pitchFamily="50" charset="-128"/>
+              </a:rPr>
+              <a:t>–d /dev/video0 </a:t>
+            </a:r>
+            <a:r>
+              <a:rPr lang="en-US" altLang="ja-JP" sz="1400" i="1" dirty="0" err="1" smtClean="0">
+                <a:latin typeface="Meiryo UI" panose="020B0604030504040204" pitchFamily="50" charset="-128"/>
+                <a:ea typeface="Meiryo UI" panose="020B0604030504040204" pitchFamily="50" charset="-128"/>
+              </a:rPr>
+              <a:t>OpenCVCameraComp</a:t>
+            </a:r>
+            <a:endParaRPr kumimoji="1" lang="ja-JP" altLang="en-US" sz="1400" i="1" dirty="0">
+              <a:latin typeface="Meiryo UI" panose="020B0604030504040204" pitchFamily="50" charset="-128"/>
+              <a:ea typeface="Meiryo UI" panose="020B0604030504040204" pitchFamily="50" charset="-128"/>
+            </a:endParaRPr>
+          </a:p>
         </p:txBody>
       </p:sp>
       <p:sp>
@@ -8131,8 +8320,8 @@
         </p:nvSpPr>
         <p:spPr>
           <a:xfrm>
-            <a:off x="477572" y="5743400"/>
-            <a:ext cx="8404564" cy="892552"/>
+            <a:off x="4503140" y="5402748"/>
+            <a:ext cx="4514249" cy="584775"/>
           </a:xfrm>
           <a:prstGeom prst="rect">
             <a:avLst/>
@@ -8147,6 +8336,614 @@
           </a:ln>
         </p:spPr>
         <p:txBody>
+          <a:bodyPr wrap="none" rtlCol="0">
+            <a:spAutoFit/>
+          </a:bodyPr>
+          <a:lstStyle/>
+          <a:p>
+            <a:r>
+              <a:rPr lang="ja-JP" altLang="en-US" dirty="0" smtClean="0">
+                <a:latin typeface="Meiryo UI" panose="020B0604030504040204" pitchFamily="50" charset="-128"/>
+                <a:ea typeface="Meiryo UI" panose="020B0604030504040204" pitchFamily="50" charset="-128"/>
+              </a:rPr>
+              <a:t>③</a:t>
+            </a:r>
+            <a:r>
+              <a:rPr lang="en-US" altLang="ja-JP" dirty="0" smtClean="0">
+                <a:latin typeface="Meiryo UI" panose="020B0604030504040204" pitchFamily="50" charset="-128"/>
+                <a:ea typeface="Meiryo UI" panose="020B0604030504040204" pitchFamily="50" charset="-128"/>
+              </a:rPr>
+              <a:t> </a:t>
+            </a:r>
+            <a:r>
+              <a:rPr lang="ja-JP" altLang="en-US" i="1" dirty="0">
+                <a:latin typeface="Meiryo UI" panose="020B0604030504040204" pitchFamily="50" charset="-128"/>
+                <a:ea typeface="Meiryo UI" panose="020B0604030504040204" pitchFamily="50" charset="-128"/>
+              </a:rPr>
+              <a:t>カメラビューワ</a:t>
+            </a:r>
+            <a:r>
+              <a:rPr lang="ja-JP" altLang="en-US" dirty="0" smtClean="0">
+                <a:latin typeface="Meiryo UI" panose="020B0604030504040204" pitchFamily="50" charset="-128"/>
+                <a:ea typeface="Meiryo UI" panose="020B0604030504040204" pitchFamily="50" charset="-128"/>
+              </a:rPr>
+              <a:t>を</a:t>
+            </a:r>
+            <a:r>
+              <a:rPr lang="ja-JP" altLang="en-US" dirty="0" smtClean="0">
+                <a:latin typeface="Meiryo UI" panose="020B0604030504040204" pitchFamily="50" charset="-128"/>
+                <a:ea typeface="Meiryo UI" panose="020B0604030504040204" pitchFamily="50" charset="-128"/>
+              </a:rPr>
+              <a:t>起動</a:t>
+            </a:r>
+            <a:endParaRPr lang="en-US" altLang="ja-JP" dirty="0" smtClean="0">
+              <a:latin typeface="Meiryo UI" panose="020B0604030504040204" pitchFamily="50" charset="-128"/>
+              <a:ea typeface="Meiryo UI" panose="020B0604030504040204" pitchFamily="50" charset="-128"/>
+            </a:endParaRPr>
+          </a:p>
+          <a:p>
+            <a:r>
+              <a:rPr lang="en-US" altLang="ja-JP" sz="1400" dirty="0">
+                <a:latin typeface="Meiryo UI" panose="020B0604030504040204" pitchFamily="50" charset="-128"/>
+                <a:ea typeface="Meiryo UI" panose="020B0604030504040204" pitchFamily="50" charset="-128"/>
+              </a:rPr>
+              <a:t> </a:t>
+            </a:r>
+            <a:r>
+              <a:rPr lang="en-US" altLang="ja-JP" sz="1400" dirty="0" smtClean="0">
+                <a:latin typeface="Meiryo UI" panose="020B0604030504040204" pitchFamily="50" charset="-128"/>
+                <a:ea typeface="Meiryo UI" panose="020B0604030504040204" pitchFamily="50" charset="-128"/>
+              </a:rPr>
+              <a:t>   </a:t>
+            </a:r>
+            <a:r>
+              <a:rPr lang="en-US" altLang="ja-JP" sz="1400" i="1" dirty="0" smtClean="0">
+                <a:latin typeface="Meiryo UI" panose="020B0604030504040204" pitchFamily="50" charset="-128"/>
+                <a:ea typeface="Meiryo UI" panose="020B0604030504040204" pitchFamily="50" charset="-128"/>
+              </a:rPr>
+              <a:t>$ </a:t>
+            </a:r>
+            <a:r>
+              <a:rPr lang="en-US" altLang="ja-JP" sz="1400" i="1" dirty="0">
+                <a:latin typeface="Meiryo UI" panose="020B0604030504040204" pitchFamily="50" charset="-128"/>
+                <a:ea typeface="Meiryo UI" panose="020B0604030504040204" pitchFamily="50" charset="-128"/>
+              </a:rPr>
+              <a:t>python </a:t>
+            </a:r>
+            <a:r>
+              <a:rPr lang="en-US" altLang="ja-JP" sz="1400" i="1" dirty="0" smtClean="0">
+                <a:latin typeface="Meiryo UI" panose="020B0604030504040204" pitchFamily="50" charset="-128"/>
+                <a:ea typeface="Meiryo UI" panose="020B0604030504040204" pitchFamily="50" charset="-128"/>
+              </a:rPr>
+              <a:t>rtmdocker.py </a:t>
+            </a:r>
+            <a:r>
+              <a:rPr lang="en-US" altLang="ja-JP" sz="1400" i="1" dirty="0" smtClean="0">
+                <a:latin typeface="Meiryo UI" panose="020B0604030504040204" pitchFamily="50" charset="-128"/>
+                <a:ea typeface="Meiryo UI" panose="020B0604030504040204" pitchFamily="50" charset="-128"/>
+              </a:rPr>
+              <a:t>–x </a:t>
+            </a:r>
+            <a:r>
+              <a:rPr lang="en-US" altLang="ja-JP" sz="1400" i="1" dirty="0" err="1" smtClean="0">
+                <a:latin typeface="Meiryo UI" panose="020B0604030504040204" pitchFamily="50" charset="-128"/>
+                <a:ea typeface="Meiryo UI" panose="020B0604030504040204" pitchFamily="50" charset="-128"/>
+              </a:rPr>
+              <a:t>CameraViewerComp</a:t>
+            </a:r>
+            <a:endParaRPr kumimoji="1" lang="ja-JP" altLang="en-US" sz="1400" dirty="0">
+              <a:latin typeface="Meiryo UI" panose="020B0604030504040204" pitchFamily="50" charset="-128"/>
+              <a:ea typeface="Meiryo UI" panose="020B0604030504040204" pitchFamily="50" charset="-128"/>
+            </a:endParaRPr>
+          </a:p>
+        </p:txBody>
+      </p:sp>
+      <p:cxnSp>
+        <p:nvCxnSpPr>
+          <p:cNvPr id="13" name="直線矢印コネクタ 12"/>
+          <p:cNvCxnSpPr>
+            <a:stCxn id="10" idx="0"/>
+          </p:cNvCxnSpPr>
+          <p:nvPr/>
+        </p:nvCxnSpPr>
+        <p:spPr>
+          <a:xfrm flipH="1" flipV="1">
+            <a:off x="2514644" y="5695136"/>
+            <a:ext cx="1309203" cy="448558"/>
+          </a:xfrm>
+          <a:prstGeom prst="straightConnector1">
+            <a:avLst/>
+          </a:prstGeom>
+          <a:ln w="76200">
+            <a:tailEnd type="triangle"/>
+          </a:ln>
+        </p:spPr>
+        <p:style>
+          <a:lnRef idx="1">
+            <a:schemeClr val="accent1"/>
+          </a:lnRef>
+          <a:fillRef idx="0">
+            <a:schemeClr val="accent1"/>
+          </a:fillRef>
+          <a:effectRef idx="0">
+            <a:schemeClr val="accent1"/>
+          </a:effectRef>
+          <a:fontRef idx="minor">
+            <a:schemeClr val="tx1"/>
+          </a:fontRef>
+        </p:style>
+      </p:cxnSp>
+      <p:cxnSp>
+        <p:nvCxnSpPr>
+          <p:cNvPr id="15" name="直線矢印コネクタ 14"/>
+          <p:cNvCxnSpPr>
+            <a:stCxn id="11" idx="0"/>
+          </p:cNvCxnSpPr>
+          <p:nvPr/>
+        </p:nvCxnSpPr>
+        <p:spPr>
+          <a:xfrm flipH="1" flipV="1">
+            <a:off x="6756400" y="3776133"/>
+            <a:ext cx="3865" cy="1626615"/>
+          </a:xfrm>
+          <a:prstGeom prst="straightConnector1">
+            <a:avLst/>
+          </a:prstGeom>
+          <a:ln w="76200">
+            <a:solidFill>
+              <a:srgbClr val="FFFF00"/>
+            </a:solidFill>
+            <a:tailEnd type="triangle"/>
+          </a:ln>
+        </p:spPr>
+        <p:style>
+          <a:lnRef idx="1">
+            <a:schemeClr val="accent1"/>
+          </a:lnRef>
+          <a:fillRef idx="0">
+            <a:schemeClr val="accent1"/>
+          </a:fillRef>
+          <a:effectRef idx="0">
+            <a:schemeClr val="accent1"/>
+          </a:effectRef>
+          <a:fontRef idx="minor">
+            <a:schemeClr val="tx1"/>
+          </a:fontRef>
+        </p:style>
+      </p:cxnSp>
+      <p:cxnSp>
+        <p:nvCxnSpPr>
+          <p:cNvPr id="18" name="直線矢印コネクタ 17"/>
+          <p:cNvCxnSpPr>
+            <a:stCxn id="9" idx="2"/>
+          </p:cNvCxnSpPr>
+          <p:nvPr/>
+        </p:nvCxnSpPr>
+        <p:spPr>
+          <a:xfrm flipH="1">
+            <a:off x="3076353" y="1564676"/>
+            <a:ext cx="174230" cy="1188884"/>
+          </a:xfrm>
+          <a:prstGeom prst="straightConnector1">
+            <a:avLst/>
+          </a:prstGeom>
+          <a:ln w="76200">
+            <a:solidFill>
+              <a:srgbClr val="FF0000"/>
+            </a:solidFill>
+            <a:tailEnd type="triangle"/>
+          </a:ln>
+        </p:spPr>
+        <p:style>
+          <a:lnRef idx="1">
+            <a:schemeClr val="accent1"/>
+          </a:lnRef>
+          <a:fillRef idx="0">
+            <a:schemeClr val="accent1"/>
+          </a:fillRef>
+          <a:effectRef idx="0">
+            <a:schemeClr val="accent1"/>
+          </a:effectRef>
+          <a:fontRef idx="minor">
+            <a:schemeClr val="tx1"/>
+          </a:fontRef>
+        </p:style>
+      </p:cxnSp>
+      <p:sp>
+        <p:nvSpPr>
+          <p:cNvPr id="17" name="正方形/長方形 16"/>
+          <p:cNvSpPr/>
+          <p:nvPr/>
+        </p:nvSpPr>
+        <p:spPr>
+          <a:xfrm>
+            <a:off x="5438847" y="2356497"/>
+            <a:ext cx="2206553" cy="1868370"/>
+          </a:xfrm>
+          <a:prstGeom prst="rect">
+            <a:avLst/>
+          </a:prstGeom>
+          <a:noFill/>
+          <a:ln w="76200">
+            <a:solidFill>
+              <a:srgbClr val="FFFF00"/>
+            </a:solidFill>
+          </a:ln>
+        </p:spPr>
+        <p:style>
+          <a:lnRef idx="2">
+            <a:schemeClr val="accent6"/>
+          </a:lnRef>
+          <a:fillRef idx="1">
+            <a:schemeClr val="lt1"/>
+          </a:fillRef>
+          <a:effectRef idx="0">
+            <a:schemeClr val="accent6"/>
+          </a:effectRef>
+          <a:fontRef idx="minor">
+            <a:schemeClr val="dk1"/>
+          </a:fontRef>
+        </p:style>
+        <p:txBody>
+          <a:bodyPr rtlCol="0" anchor="ctr"/>
+          <a:lstStyle/>
+          <a:p>
+            <a:pPr algn="ctr"/>
+            <a:endParaRPr kumimoji="1" lang="ja-JP" altLang="en-US"/>
+          </a:p>
+        </p:txBody>
+      </p:sp>
+    </p:spTree>
+    <p:extLst>
+      <p:ext uri="{BB962C8B-B14F-4D97-AF65-F5344CB8AC3E}">
+        <p14:creationId xmlns:p14="http://schemas.microsoft.com/office/powerpoint/2010/main" val="372310986"/>
+      </p:ext>
+    </p:extLst>
+  </p:cSld>
+  <p:clrMapOvr>
+    <a:masterClrMapping/>
+  </p:clrMapOvr>
+</p:sld>
+</file>
+
+<file path=ppt/slides/slide7.xml><?xml version="1.0" encoding="utf-8"?>
+<p:sld xmlns:a="http://schemas.openxmlformats.org/drawingml/2006/main" xmlns:r="http://schemas.openxmlformats.org/officeDocument/2006/relationships" xmlns:p="http://schemas.openxmlformats.org/presentationml/2006/main">
+  <p:cSld>
+    <p:spTree>
+      <p:nvGrpSpPr>
+        <p:cNvPr id="1" name=""/>
+        <p:cNvGrpSpPr/>
+        <p:nvPr/>
+      </p:nvGrpSpPr>
+      <p:grpSpPr>
+        <a:xfrm>
+          <a:off x="0" y="0"/>
+          <a:ext cx="0" cy="0"/>
+          <a:chOff x="0" y="0"/>
+          <a:chExt cx="0" cy="0"/>
+        </a:xfrm>
+      </p:grpSpPr>
+      <p:pic>
+        <p:nvPicPr>
+          <p:cNvPr id="3" name="図 2"/>
+          <p:cNvPicPr>
+            <a:picLocks noChangeAspect="1"/>
+          </p:cNvPicPr>
+          <p:nvPr/>
+        </p:nvPicPr>
+        <p:blipFill>
+          <a:blip r:embed="rId2" cstate="print">
+            <a:extLst>
+              <a:ext uri="{28A0092B-C50C-407E-A947-70E740481C1C}">
+                <a14:useLocalDpi xmlns:a14="http://schemas.microsoft.com/office/drawing/2010/main" val="0"/>
+              </a:ext>
+            </a:extLst>
+          </a:blip>
+          <a:stretch>
+            <a:fillRect/>
+          </a:stretch>
+        </p:blipFill>
+        <p:spPr>
+          <a:xfrm>
+            <a:off x="500136" y="1855140"/>
+            <a:ext cx="8382000" cy="4714875"/>
+          </a:xfrm>
+          <a:prstGeom prst="rect">
+            <a:avLst/>
+          </a:prstGeom>
+        </p:spPr>
+      </p:pic>
+      <p:sp>
+        <p:nvSpPr>
+          <p:cNvPr id="5" name="正方形/長方形 4"/>
+          <p:cNvSpPr/>
+          <p:nvPr/>
+        </p:nvSpPr>
+        <p:spPr>
+          <a:xfrm>
+            <a:off x="500137" y="1855140"/>
+            <a:ext cx="4250804" cy="3126435"/>
+          </a:xfrm>
+          <a:prstGeom prst="rect">
+            <a:avLst/>
+          </a:prstGeom>
+          <a:noFill/>
+          <a:ln w="76200">
+            <a:solidFill>
+              <a:srgbClr val="FF0000"/>
+            </a:solidFill>
+          </a:ln>
+        </p:spPr>
+        <p:style>
+          <a:lnRef idx="2">
+            <a:schemeClr val="accent6"/>
+          </a:lnRef>
+          <a:fillRef idx="1">
+            <a:schemeClr val="lt1"/>
+          </a:fillRef>
+          <a:effectRef idx="0">
+            <a:schemeClr val="accent6"/>
+          </a:effectRef>
+          <a:fontRef idx="minor">
+            <a:schemeClr val="dk1"/>
+          </a:fontRef>
+        </p:style>
+        <p:txBody>
+          <a:bodyPr rtlCol="0" anchor="ctr"/>
+          <a:lstStyle/>
+          <a:p>
+            <a:pPr algn="ctr"/>
+            <a:endParaRPr kumimoji="1" lang="ja-JP" altLang="en-US"/>
+          </a:p>
+        </p:txBody>
+      </p:sp>
+      <p:sp>
+        <p:nvSpPr>
+          <p:cNvPr id="7" name="正方形/長方形 6"/>
+          <p:cNvSpPr/>
+          <p:nvPr/>
+        </p:nvSpPr>
+        <p:spPr>
+          <a:xfrm>
+            <a:off x="5158743" y="1921077"/>
+            <a:ext cx="3432399" cy="2230942"/>
+          </a:xfrm>
+          <a:prstGeom prst="rect">
+            <a:avLst/>
+          </a:prstGeom>
+          <a:noFill/>
+          <a:ln w="76200">
+            <a:solidFill>
+              <a:srgbClr val="FFFF00"/>
+            </a:solidFill>
+          </a:ln>
+        </p:spPr>
+        <p:style>
+          <a:lnRef idx="2">
+            <a:schemeClr val="accent6"/>
+          </a:lnRef>
+          <a:fillRef idx="1">
+            <a:schemeClr val="lt1"/>
+          </a:fillRef>
+          <a:effectRef idx="0">
+            <a:schemeClr val="accent6"/>
+          </a:effectRef>
+          <a:fontRef idx="minor">
+            <a:schemeClr val="dk1"/>
+          </a:fontRef>
+        </p:style>
+        <p:txBody>
+          <a:bodyPr rtlCol="0" anchor="ctr"/>
+          <a:lstStyle/>
+          <a:p>
+            <a:pPr algn="ctr"/>
+            <a:endParaRPr kumimoji="1" lang="ja-JP" altLang="en-US"/>
+          </a:p>
+        </p:txBody>
+      </p:sp>
+      <p:sp>
+        <p:nvSpPr>
+          <p:cNvPr id="8" name="テキスト ボックス 7"/>
+          <p:cNvSpPr txBox="1"/>
+          <p:nvPr/>
+        </p:nvSpPr>
+        <p:spPr>
+          <a:xfrm>
+            <a:off x="1450245" y="39769"/>
+            <a:ext cx="5934638" cy="830997"/>
+          </a:xfrm>
+          <a:prstGeom prst="rect">
+            <a:avLst/>
+          </a:prstGeom>
+          <a:noFill/>
+          <a:ln>
+            <a:noFill/>
+          </a:ln>
+        </p:spPr>
+        <p:txBody>
+          <a:bodyPr wrap="none" rtlCol="0">
+            <a:spAutoFit/>
+          </a:bodyPr>
+          <a:lstStyle/>
+          <a:p>
+            <a:pPr algn="ctr"/>
+            <a:r>
+              <a:rPr lang="en-US" altLang="ja-JP" sz="2400" u="sng" dirty="0">
+                <a:latin typeface="Meiryo UI" panose="020B0604030504040204" pitchFamily="50" charset="-128"/>
+                <a:ea typeface="Meiryo UI" panose="020B0604030504040204" pitchFamily="50" charset="-128"/>
+              </a:rPr>
+              <a:t>Windows</a:t>
+            </a:r>
+            <a:r>
+              <a:rPr kumimoji="1" lang="ja-JP" altLang="en-US" sz="2400" u="sng" dirty="0" smtClean="0">
+                <a:latin typeface="Meiryo UI" panose="020B0604030504040204" pitchFamily="50" charset="-128"/>
+                <a:ea typeface="Meiryo UI" panose="020B0604030504040204" pitchFamily="50" charset="-128"/>
+              </a:rPr>
+              <a:t>環境でリモートデスクトップを利用して</a:t>
+            </a:r>
+            <a:endParaRPr kumimoji="1" lang="en-US" altLang="ja-JP" sz="2400" u="sng" dirty="0" smtClean="0">
+              <a:latin typeface="Meiryo UI" panose="020B0604030504040204" pitchFamily="50" charset="-128"/>
+              <a:ea typeface="Meiryo UI" panose="020B0604030504040204" pitchFamily="50" charset="-128"/>
+            </a:endParaRPr>
+          </a:p>
+          <a:p>
+            <a:pPr algn="ctr"/>
+            <a:r>
+              <a:rPr kumimoji="1" lang="en-US" altLang="ja-JP" sz="2400" u="sng" dirty="0" err="1" smtClean="0">
+                <a:latin typeface="Meiryo UI" panose="020B0604030504040204" pitchFamily="50" charset="-128"/>
+                <a:ea typeface="Meiryo UI" panose="020B0604030504040204" pitchFamily="50" charset="-128"/>
+              </a:rPr>
+              <a:t>OpenRTM</a:t>
+            </a:r>
+            <a:r>
+              <a:rPr kumimoji="1" lang="en-US" altLang="ja-JP" sz="2400" u="sng" dirty="0" smtClean="0">
+                <a:latin typeface="Meiryo UI" panose="020B0604030504040204" pitchFamily="50" charset="-128"/>
+                <a:ea typeface="Meiryo UI" panose="020B0604030504040204" pitchFamily="50" charset="-128"/>
+              </a:rPr>
+              <a:t> on Docker </a:t>
+            </a:r>
+            <a:r>
+              <a:rPr kumimoji="1" lang="ja-JP" altLang="en-US" sz="2400" u="sng" dirty="0" smtClean="0">
+                <a:latin typeface="Meiryo UI" panose="020B0604030504040204" pitchFamily="50" charset="-128"/>
+                <a:ea typeface="Meiryo UI" panose="020B0604030504040204" pitchFamily="50" charset="-128"/>
+              </a:rPr>
+              <a:t>を使用した画面例</a:t>
+            </a:r>
+            <a:endParaRPr kumimoji="1" lang="ja-JP" altLang="en-US" sz="2400" u="sng" dirty="0">
+              <a:latin typeface="Meiryo UI" panose="020B0604030504040204" pitchFamily="50" charset="-128"/>
+              <a:ea typeface="Meiryo UI" panose="020B0604030504040204" pitchFamily="50" charset="-128"/>
+            </a:endParaRPr>
+          </a:p>
+        </p:txBody>
+      </p:sp>
+      <p:sp>
+        <p:nvSpPr>
+          <p:cNvPr id="9" name="テキスト ボックス 8"/>
+          <p:cNvSpPr txBox="1"/>
+          <p:nvPr/>
+        </p:nvSpPr>
+        <p:spPr>
+          <a:xfrm>
+            <a:off x="796999" y="1211301"/>
+            <a:ext cx="6897401" cy="369332"/>
+          </a:xfrm>
+          <a:prstGeom prst="rect">
+            <a:avLst/>
+          </a:prstGeom>
+          <a:noFill/>
+          <a:ln w="28575">
+            <a:solidFill>
+              <a:srgbClr val="FF0000"/>
+            </a:solidFill>
+          </a:ln>
+        </p:spPr>
+        <p:txBody>
+          <a:bodyPr wrap="none" rtlCol="0">
+            <a:spAutoFit/>
+          </a:bodyPr>
+          <a:lstStyle/>
+          <a:p>
+            <a:r>
+              <a:rPr kumimoji="1" lang="ja-JP" altLang="en-US" dirty="0" smtClean="0">
+                <a:latin typeface="Meiryo UI" panose="020B0604030504040204" pitchFamily="50" charset="-128"/>
+                <a:ea typeface="Meiryo UI" panose="020B0604030504040204" pitchFamily="50" charset="-128"/>
+              </a:rPr>
+              <a:t>①</a:t>
+            </a:r>
+            <a:r>
+              <a:rPr lang="en-US" altLang="ja-JP" dirty="0">
+                <a:latin typeface="Meiryo UI" panose="020B0604030504040204" pitchFamily="50" charset="-128"/>
+                <a:ea typeface="Meiryo UI" panose="020B0604030504040204" pitchFamily="50" charset="-128"/>
+              </a:rPr>
+              <a:t> </a:t>
+            </a:r>
+            <a:r>
+              <a:rPr lang="en-US" altLang="ja-JP" dirty="0" err="1" smtClean="0">
+                <a:latin typeface="Meiryo UI" panose="020B0604030504040204" pitchFamily="50" charset="-128"/>
+                <a:ea typeface="Meiryo UI" panose="020B0604030504040204" pitchFamily="50" charset="-128"/>
+              </a:rPr>
+              <a:t>NameServer</a:t>
+            </a:r>
+            <a:r>
+              <a:rPr lang="en-US" altLang="ja-JP" dirty="0" smtClean="0">
+                <a:latin typeface="Meiryo UI" panose="020B0604030504040204" pitchFamily="50" charset="-128"/>
+                <a:ea typeface="Meiryo UI" panose="020B0604030504040204" pitchFamily="50" charset="-128"/>
+              </a:rPr>
+              <a:t>, </a:t>
+            </a:r>
+            <a:r>
+              <a:rPr lang="en-US" altLang="ja-JP" dirty="0" err="1" smtClean="0">
+                <a:latin typeface="Meiryo UI" panose="020B0604030504040204" pitchFamily="50" charset="-128"/>
+                <a:ea typeface="Meiryo UI" panose="020B0604030504040204" pitchFamily="50" charset="-128"/>
+              </a:rPr>
+              <a:t>OpenRTP</a:t>
+            </a:r>
+            <a:r>
+              <a:rPr lang="ja-JP" altLang="en-US" dirty="0" err="1" smtClean="0">
+                <a:latin typeface="Meiryo UI" panose="020B0604030504040204" pitchFamily="50" charset="-128"/>
+                <a:ea typeface="Meiryo UI" panose="020B0604030504040204" pitchFamily="50" charset="-128"/>
+              </a:rPr>
+              <a:t>，</a:t>
+            </a:r>
+            <a:r>
+              <a:rPr lang="en-US" altLang="ja-JP" dirty="0" smtClean="0">
+                <a:latin typeface="Meiryo UI" panose="020B0604030504040204" pitchFamily="50" charset="-128"/>
+                <a:ea typeface="Meiryo UI" panose="020B0604030504040204" pitchFamily="50" charset="-128"/>
+              </a:rPr>
+              <a:t>SliderComp.py </a:t>
+            </a:r>
+            <a:r>
+              <a:rPr lang="ja-JP" altLang="en-US" dirty="0" smtClean="0">
+                <a:latin typeface="Meiryo UI" panose="020B0604030504040204" pitchFamily="50" charset="-128"/>
+                <a:ea typeface="Meiryo UI" panose="020B0604030504040204" pitchFamily="50" charset="-128"/>
+              </a:rPr>
+              <a:t>をホスト</a:t>
+            </a:r>
+            <a:r>
+              <a:rPr lang="en-US" altLang="ja-JP" dirty="0" smtClean="0">
+                <a:latin typeface="Meiryo UI" panose="020B0604030504040204" pitchFamily="50" charset="-128"/>
+                <a:ea typeface="Meiryo UI" panose="020B0604030504040204" pitchFamily="50" charset="-128"/>
+              </a:rPr>
+              <a:t>OS</a:t>
+            </a:r>
+            <a:r>
+              <a:rPr lang="ja-JP" altLang="en-US" dirty="0" smtClean="0">
+                <a:latin typeface="Meiryo UI" panose="020B0604030504040204" pitchFamily="50" charset="-128"/>
+                <a:ea typeface="Meiryo UI" panose="020B0604030504040204" pitchFamily="50" charset="-128"/>
+              </a:rPr>
+              <a:t>側で起動</a:t>
+            </a:r>
+            <a:endParaRPr lang="en-US" altLang="ja-JP" dirty="0" smtClean="0">
+              <a:latin typeface="Meiryo UI" panose="020B0604030504040204" pitchFamily="50" charset="-128"/>
+              <a:ea typeface="Meiryo UI" panose="020B0604030504040204" pitchFamily="50" charset="-128"/>
+            </a:endParaRPr>
+          </a:p>
+        </p:txBody>
+      </p:sp>
+      <p:sp>
+        <p:nvSpPr>
+          <p:cNvPr id="11" name="テキスト ボックス 10"/>
+          <p:cNvSpPr txBox="1"/>
+          <p:nvPr/>
+        </p:nvSpPr>
+        <p:spPr>
+          <a:xfrm>
+            <a:off x="477572" y="5743400"/>
+            <a:ext cx="8404564" cy="892552"/>
+          </a:xfrm>
+          <a:prstGeom prst="rect">
+            <a:avLst/>
+          </a:prstGeom>
+          <a:solidFill>
+            <a:schemeClr val="bg1"/>
+          </a:solidFill>
+          <a:ln w="28575">
+            <a:solidFill>
+              <a:srgbClr val="FFC000"/>
+            </a:solidFill>
+          </a:ln>
+        </p:spPr>
+        <p:txBody>
           <a:bodyPr wrap="square" rtlCol="0">
             <a:spAutoFit/>
           </a:bodyPr>
@@ -8226,14 +9023,7 @@
                 <a:latin typeface="Meiryo UI" panose="020B0604030504040204" pitchFamily="50" charset="-128"/>
                 <a:ea typeface="Meiryo UI" panose="020B0604030504040204" pitchFamily="50" charset="-128"/>
               </a:rPr>
-              <a:t>rtmdocker.py </a:t>
-            </a:r>
-            <a:r>
-              <a:rPr lang="en-US" altLang="ja-JP" sz="1600" i="1" dirty="0" smtClean="0">
-                <a:latin typeface="Meiryo UI" panose="020B0604030504040204" pitchFamily="50" charset="-128"/>
-                <a:ea typeface="Meiryo UI" panose="020B0604030504040204" pitchFamily="50" charset="-128"/>
-              </a:rPr>
-              <a:t>–r –n bash</a:t>
+              <a:t>rtmdocker.py –r –n bash</a:t>
             </a:r>
           </a:p>
           <a:p>
